--- a/Group 2.pptx
+++ b/Group 2.pptx
@@ -112,6 +112,11 @@
       </a:defRPr>
     </a:lvl9pPr>
   </p:defaultTextStyle>
+  <p:extLst>
+    <p:ext uri="{EFAFB233-063F-42B5-8137-9DF3F51BA10A}">
+      <p15:sldGuideLst xmlns:p15="http://schemas.microsoft.com/office/powerpoint/2012/main"/>
+    </p:ext>
+  </p:extLst>
 </p:presentation>
 </file>
 
@@ -3459,8 +3464,19 @@
                 <a:latin typeface="Times New Roman" panose="02020603050405020304" pitchFamily="18" charset="0"/>
                 <a:cs typeface="Times New Roman" panose="02020603050405020304" pitchFamily="18" charset="0"/>
               </a:rPr>
-              <a:t>Group 2: Nick Benjamin, John Goebel, Beth Grace, Joan Stone-Mays </a:t>
-            </a:r>
+              <a:t>Group 2: Nick Benjamin, John Goebel, Beth Grace, </a:t>
+            </a:r>
+            <a:r>
+              <a:rPr lang="en-US" sz="2000" b="1">
+                <a:latin typeface="Times New Roman" panose="02020603050405020304" pitchFamily="18" charset="0"/>
+                <a:cs typeface="Times New Roman" panose="02020603050405020304" pitchFamily="18" charset="0"/>
+              </a:rPr>
+              <a:t>Joan Stone-Mays  </a:t>
+            </a:r>
+            <a:endParaRPr lang="en-US" sz="2000" b="1" dirty="0">
+              <a:latin typeface="Times New Roman" panose="02020603050405020304" pitchFamily="18" charset="0"/>
+              <a:cs typeface="Times New Roman" panose="02020603050405020304" pitchFamily="18" charset="0"/>
+            </a:endParaRPr>
           </a:p>
         </p:txBody>
       </p:sp>

--- a/Group 2.pptx
+++ b/Group 2.pptx
@@ -9405,7 +9405,7 @@
           <a:p>
             <a:fld id="{90DF4474-C2BF-4D6F-8281-6AA05E169FF7}" type="datetimeFigureOut">
               <a:rPr lang="en-US" smtClean="0"/>
-              <a:t>6/25/2019</a:t>
+              <a:t>6/26/2019</a:t>
             </a:fld>
             <a:endParaRPr lang="en-US"/>
           </a:p>
@@ -9603,7 +9603,7 @@
           <a:p>
             <a:fld id="{90DF4474-C2BF-4D6F-8281-6AA05E169FF7}" type="datetimeFigureOut">
               <a:rPr lang="en-US" smtClean="0"/>
-              <a:t>6/25/2019</a:t>
+              <a:t>6/26/2019</a:t>
             </a:fld>
             <a:endParaRPr lang="en-US"/>
           </a:p>
@@ -9811,7 +9811,7 @@
           <a:p>
             <a:fld id="{90DF4474-C2BF-4D6F-8281-6AA05E169FF7}" type="datetimeFigureOut">
               <a:rPr lang="en-US" smtClean="0"/>
-              <a:t>6/25/2019</a:t>
+              <a:t>6/26/2019</a:t>
             </a:fld>
             <a:endParaRPr lang="en-US"/>
           </a:p>
@@ -10009,7 +10009,7 @@
           <a:p>
             <a:fld id="{90DF4474-C2BF-4D6F-8281-6AA05E169FF7}" type="datetimeFigureOut">
               <a:rPr lang="en-US" smtClean="0"/>
-              <a:t>6/25/2019</a:t>
+              <a:t>6/26/2019</a:t>
             </a:fld>
             <a:endParaRPr lang="en-US"/>
           </a:p>
@@ -10284,7 +10284,7 @@
           <a:p>
             <a:fld id="{90DF4474-C2BF-4D6F-8281-6AA05E169FF7}" type="datetimeFigureOut">
               <a:rPr lang="en-US" smtClean="0"/>
-              <a:t>6/25/2019</a:t>
+              <a:t>6/26/2019</a:t>
             </a:fld>
             <a:endParaRPr lang="en-US"/>
           </a:p>
@@ -10549,7 +10549,7 @@
           <a:p>
             <a:fld id="{90DF4474-C2BF-4D6F-8281-6AA05E169FF7}" type="datetimeFigureOut">
               <a:rPr lang="en-US" smtClean="0"/>
-              <a:t>6/25/2019</a:t>
+              <a:t>6/26/2019</a:t>
             </a:fld>
             <a:endParaRPr lang="en-US"/>
           </a:p>
@@ -10961,7 +10961,7 @@
           <a:p>
             <a:fld id="{90DF4474-C2BF-4D6F-8281-6AA05E169FF7}" type="datetimeFigureOut">
               <a:rPr lang="en-US" smtClean="0"/>
-              <a:t>6/25/2019</a:t>
+              <a:t>6/26/2019</a:t>
             </a:fld>
             <a:endParaRPr lang="en-US"/>
           </a:p>
@@ -11102,7 +11102,7 @@
           <a:p>
             <a:fld id="{90DF4474-C2BF-4D6F-8281-6AA05E169FF7}" type="datetimeFigureOut">
               <a:rPr lang="en-US" smtClean="0"/>
-              <a:t>6/25/2019</a:t>
+              <a:t>6/26/2019</a:t>
             </a:fld>
             <a:endParaRPr lang="en-US"/>
           </a:p>
@@ -11215,7 +11215,7 @@
           <a:p>
             <a:fld id="{90DF4474-C2BF-4D6F-8281-6AA05E169FF7}" type="datetimeFigureOut">
               <a:rPr lang="en-US" smtClean="0"/>
-              <a:t>6/25/2019</a:t>
+              <a:t>6/26/2019</a:t>
             </a:fld>
             <a:endParaRPr lang="en-US"/>
           </a:p>
@@ -11526,7 +11526,7 @@
           <a:p>
             <a:fld id="{90DF4474-C2BF-4D6F-8281-6AA05E169FF7}" type="datetimeFigureOut">
               <a:rPr lang="en-US" smtClean="0"/>
-              <a:t>6/25/2019</a:t>
+              <a:t>6/26/2019</a:t>
             </a:fld>
             <a:endParaRPr lang="en-US"/>
           </a:p>
@@ -11814,7 +11814,7 @@
           <a:p>
             <a:fld id="{90DF4474-C2BF-4D6F-8281-6AA05E169FF7}" type="datetimeFigureOut">
               <a:rPr lang="en-US" smtClean="0"/>
-              <a:t>6/25/2019</a:t>
+              <a:t>6/26/2019</a:t>
             </a:fld>
             <a:endParaRPr lang="en-US"/>
           </a:p>
@@ -12055,7 +12055,7 @@
           <a:p>
             <a:fld id="{90DF4474-C2BF-4D6F-8281-6AA05E169FF7}" type="datetimeFigureOut">
               <a:rPr lang="en-US" smtClean="0"/>
-              <a:t>6/25/2019</a:t>
+              <a:t>6/26/2019</a:t>
             </a:fld>
             <a:endParaRPr lang="en-US"/>
           </a:p>
@@ -12480,6 +12480,95 @@
           <a:chExt cx="0" cy="0"/>
         </a:xfrm>
       </p:grpSpPr>
+      <p:sp useBgFill="1">
+        <p:nvSpPr>
+          <p:cNvPr id="30" name="Rectangle 22">
+            <a:extLst>
+              <a:ext uri="{FF2B5EF4-FFF2-40B4-BE49-F238E27FC236}">
+                <a16:creationId xmlns:a16="http://schemas.microsoft.com/office/drawing/2014/main" id="{559AE206-7EBA-4D33-8BC9-9D8158553F0E}"/>
+              </a:ext>
+              <a:ext uri="{C183D7F6-B498-43B3-948B-1728B52AA6E4}">
+                <adec:decorative xmlns:adec="http://schemas.microsoft.com/office/drawing/2017/decorative" val="1"/>
+              </a:ext>
+            </a:extLst>
+          </p:cNvPr>
+          <p:cNvSpPr>
+            <a:spLocks noGrp="1" noRot="1" noChangeAspect="1" noMove="1" noResize="1" noEditPoints="1" noAdjustHandles="1" noChangeArrowheads="1" noChangeShapeType="1" noTextEdit="1"/>
+          </p:cNvSpPr>
+          <p:nvPr>
+            <p:extLst>
+              <p:ext uri="{386F3935-93C4-4BCD-93E2-E3B085C9AB24}">
+                <p16:designElem xmlns:p16="http://schemas.microsoft.com/office/powerpoint/2015/main" val="1"/>
+              </p:ext>
+            </p:extLst>
+          </p:nvPr>
+        </p:nvSpPr>
+        <p:spPr>
+          <a:xfrm>
+            <a:off x="0" y="0"/>
+            <a:ext cx="12192000" cy="6858000"/>
+          </a:xfrm>
+          <a:prstGeom prst="rect">
+            <a:avLst/>
+          </a:prstGeom>
+          <a:ln>
+            <a:noFill/>
+          </a:ln>
+        </p:spPr>
+        <p:style>
+          <a:lnRef idx="2">
+            <a:schemeClr val="accent1">
+              <a:shade val="50000"/>
+            </a:schemeClr>
+          </a:lnRef>
+          <a:fillRef idx="1">
+            <a:schemeClr val="accent1"/>
+          </a:fillRef>
+          <a:effectRef idx="0">
+            <a:schemeClr val="accent1"/>
+          </a:effectRef>
+          <a:fontRef idx="minor">
+            <a:schemeClr val="lt1"/>
+          </a:fontRef>
+        </p:style>
+        <p:txBody>
+          <a:bodyPr rtlCol="0" anchor="ctr"/>
+          <a:lstStyle/>
+          <a:p>
+            <a:pPr marL="0" marR="0" lvl="0" indent="0" algn="ctr" defTabSz="914400" rtl="0" eaLnBrk="1" fontAlgn="auto" latinLnBrk="0" hangingPunct="1">
+              <a:lnSpc>
+                <a:spcPct val="100000"/>
+              </a:lnSpc>
+              <a:spcBef>
+                <a:spcPts val="0"/>
+              </a:spcBef>
+              <a:spcAft>
+                <a:spcPts val="0"/>
+              </a:spcAft>
+              <a:buClrTx/>
+              <a:buSzTx/>
+              <a:buFontTx/>
+              <a:buNone/>
+              <a:tabLst/>
+              <a:defRPr/>
+            </a:pPr>
+            <a:endParaRPr kumimoji="0" lang="en-US" sz="1800" b="0" i="0" u="none" strike="noStrike" kern="1200" cap="none" spc="0" normalizeH="0" baseline="0" noProof="0">
+              <a:ln>
+                <a:noFill/>
+              </a:ln>
+              <a:solidFill>
+                <a:prstClr val="white"/>
+              </a:solidFill>
+              <a:effectLst/>
+              <a:uLnTx/>
+              <a:uFillTx/>
+              <a:latin typeface="Calibri" panose="020F0502020204030204"/>
+              <a:ea typeface="+mn-ea"/>
+              <a:cs typeface="+mn-cs"/>
+            </a:endParaRPr>
+          </a:p>
+        </p:txBody>
+      </p:sp>
       <p:sp>
         <p:nvSpPr>
           <p:cNvPr id="2" name="Title 1">
@@ -12498,8 +12587,8 @@
         </p:nvSpPr>
         <p:spPr>
           <a:xfrm>
-            <a:off x="0" y="5330880"/>
-            <a:ext cx="7800392" cy="1370256"/>
+            <a:off x="838199" y="4525347"/>
+            <a:ext cx="6801321" cy="1737360"/>
           </a:xfrm>
         </p:spPr>
         <p:txBody>
@@ -12508,13 +12597,44 @@
           </a:bodyPr>
           <a:lstStyle/>
           <a:p>
+            <a:pPr algn="r"/>
             <a:r>
-              <a:rPr lang="en-US" sz="2000" b="1" dirty="0">
+              <a:rPr lang="en-US" sz="3800" b="1">
                 <a:latin typeface="Times New Roman" panose="02020603050405020304" pitchFamily="18" charset="0"/>
                 <a:cs typeface="Times New Roman" panose="02020603050405020304" pitchFamily="18" charset="0"/>
               </a:rPr>
-              <a:t>Group 2: Nick Benjamin, John Goebel, Beth Grace, Joan Stone-Mays </a:t>
+              <a:t>Group 2: Nick Benjamin, </a:t>
             </a:r>
+            <a:br>
+              <a:rPr lang="en-US" sz="3800" b="1">
+                <a:latin typeface="Times New Roman" panose="02020603050405020304" pitchFamily="18" charset="0"/>
+                <a:cs typeface="Times New Roman" panose="02020603050405020304" pitchFamily="18" charset="0"/>
+              </a:rPr>
+            </a:br>
+            <a:r>
+              <a:rPr lang="en-US" sz="3800" b="1">
+                <a:latin typeface="Times New Roman" panose="02020603050405020304" pitchFamily="18" charset="0"/>
+                <a:cs typeface="Times New Roman" panose="02020603050405020304" pitchFamily="18" charset="0"/>
+              </a:rPr>
+              <a:t>John Goebel, Beth Grace,</a:t>
+            </a:r>
+            <a:br>
+              <a:rPr lang="en-US" sz="3800" b="1">
+                <a:latin typeface="Times New Roman" panose="02020603050405020304" pitchFamily="18" charset="0"/>
+                <a:cs typeface="Times New Roman" panose="02020603050405020304" pitchFamily="18" charset="0"/>
+              </a:rPr>
+            </a:br>
+            <a:r>
+              <a:rPr lang="en-US" sz="3800" b="1">
+                <a:latin typeface="Times New Roman" panose="02020603050405020304" pitchFamily="18" charset="0"/>
+                <a:cs typeface="Times New Roman" panose="02020603050405020304" pitchFamily="18" charset="0"/>
+              </a:rPr>
+              <a:t>and Joan Stone-Mays </a:t>
+            </a:r>
+            <a:endParaRPr lang="en-US" sz="3800" b="1" dirty="0">
+              <a:latin typeface="Times New Roman" panose="02020603050405020304" pitchFamily="18" charset="0"/>
+              <a:cs typeface="Times New Roman" panose="02020603050405020304" pitchFamily="18" charset="0"/>
+            </a:endParaRPr>
           </a:p>
         </p:txBody>
       </p:sp>
@@ -12536,8 +12656,8 @@
         </p:nvSpPr>
         <p:spPr>
           <a:xfrm>
-            <a:off x="0" y="3811044"/>
-            <a:ext cx="7552529" cy="1737360"/>
+            <a:off x="7961258" y="4525347"/>
+            <a:ext cx="3258675" cy="1737360"/>
           </a:xfrm>
         </p:spPr>
         <p:txBody>
@@ -12546,17 +12666,497 @@
           </a:bodyPr>
           <a:lstStyle/>
           <a:p>
+            <a:pPr algn="l"/>
             <a:r>
-              <a:rPr lang="en-US" dirty="0"/>
-              <a:t> </a:t>
-            </a:r>
-            <a:r>
-              <a:rPr lang="en-US" sz="4000" dirty="0"/>
-              <a:t>There Goes the Neighborhood!</a:t>
+              <a:rPr lang="en-US"/>
+              <a:t> There Goes the Neighborhood!</a:t>
             </a:r>
           </a:p>
         </p:txBody>
       </p:sp>
+      <p:sp>
+        <p:nvSpPr>
+          <p:cNvPr id="25" name="Oval 24">
+            <a:extLst>
+              <a:ext uri="{FF2B5EF4-FFF2-40B4-BE49-F238E27FC236}">
+                <a16:creationId xmlns:a16="http://schemas.microsoft.com/office/drawing/2014/main" id="{6437D937-A7F1-4011-92B4-328E5BE1B166}"/>
+              </a:ext>
+              <a:ext uri="{C183D7F6-B498-43B3-948B-1728B52AA6E4}">
+                <adec:decorative xmlns:adec="http://schemas.microsoft.com/office/drawing/2017/decorative" val="1"/>
+              </a:ext>
+            </a:extLst>
+          </p:cNvPr>
+          <p:cNvSpPr>
+            <a:spLocks noGrp="1" noRot="1" noChangeAspect="1" noMove="1" noResize="1" noEditPoints="1" noAdjustHandles="1" noChangeArrowheads="1" noChangeShapeType="1" noTextEdit="1"/>
+          </p:cNvSpPr>
+          <p:nvPr>
+            <p:extLst>
+              <p:ext uri="{386F3935-93C4-4BCD-93E2-E3B085C9AB24}">
+                <p16:designElem xmlns:p16="http://schemas.microsoft.com/office/powerpoint/2015/main" val="1"/>
+              </p:ext>
+            </p:extLst>
+          </p:nvPr>
+        </p:nvSpPr>
+        <p:spPr>
+          <a:xfrm>
+            <a:off x="588567" y="620480"/>
+            <a:ext cx="2243800" cy="2243796"/>
+          </a:xfrm>
+          <a:prstGeom prst="ellipse">
+            <a:avLst/>
+          </a:prstGeom>
+          <a:solidFill>
+            <a:schemeClr val="accent5"/>
+          </a:solidFill>
+          <a:ln>
+            <a:noFill/>
+          </a:ln>
+        </p:spPr>
+        <p:style>
+          <a:lnRef idx="2">
+            <a:schemeClr val="accent1">
+              <a:shade val="50000"/>
+            </a:schemeClr>
+          </a:lnRef>
+          <a:fillRef idx="1">
+            <a:schemeClr val="accent1"/>
+          </a:fillRef>
+          <a:effectRef idx="0">
+            <a:schemeClr val="accent1"/>
+          </a:effectRef>
+          <a:fontRef idx="minor">
+            <a:schemeClr val="lt1"/>
+          </a:fontRef>
+        </p:style>
+        <p:txBody>
+          <a:bodyPr rtlCol="0" anchor="ctr"/>
+          <a:lstStyle/>
+          <a:p>
+            <a:pPr marL="0" marR="0" lvl="0" indent="0" algn="ctr" defTabSz="914400" rtl="0" eaLnBrk="1" fontAlgn="auto" latinLnBrk="0" hangingPunct="1">
+              <a:lnSpc>
+                <a:spcPct val="100000"/>
+              </a:lnSpc>
+              <a:spcBef>
+                <a:spcPts val="0"/>
+              </a:spcBef>
+              <a:spcAft>
+                <a:spcPts val="0"/>
+              </a:spcAft>
+              <a:buClrTx/>
+              <a:buSzTx/>
+              <a:buFontTx/>
+              <a:buNone/>
+              <a:tabLst/>
+              <a:defRPr/>
+            </a:pPr>
+            <a:endParaRPr kumimoji="0" lang="en-US" sz="1800" b="0" i="0" u="none" strike="noStrike" kern="1200" cap="none" spc="0" normalizeH="0" baseline="0" noProof="0">
+              <a:ln>
+                <a:noFill/>
+              </a:ln>
+              <a:solidFill>
+                <a:prstClr val="white"/>
+              </a:solidFill>
+              <a:effectLst/>
+              <a:uLnTx/>
+              <a:uFillTx/>
+              <a:latin typeface="Calibri" panose="020F0502020204030204"/>
+              <a:ea typeface="+mn-ea"/>
+              <a:cs typeface="+mn-cs"/>
+            </a:endParaRPr>
+          </a:p>
+        </p:txBody>
+      </p:sp>
+      <p:sp>
+        <p:nvSpPr>
+          <p:cNvPr id="27" name="Oval 26">
+            <a:extLst>
+              <a:ext uri="{FF2B5EF4-FFF2-40B4-BE49-F238E27FC236}">
+                <a16:creationId xmlns:a16="http://schemas.microsoft.com/office/drawing/2014/main" id="{B672F332-AF08-46C6-94F0-77684310D7B7}"/>
+              </a:ext>
+              <a:ext uri="{C183D7F6-B498-43B3-948B-1728B52AA6E4}">
+                <adec:decorative xmlns:adec="http://schemas.microsoft.com/office/drawing/2017/decorative" val="1"/>
+              </a:ext>
+            </a:extLst>
+          </p:cNvPr>
+          <p:cNvSpPr>
+            <a:spLocks noGrp="1" noRot="1" noChangeAspect="1" noMove="1" noResize="1" noEditPoints="1" noAdjustHandles="1" noChangeArrowheads="1" noChangeShapeType="1" noTextEdit="1"/>
+          </p:cNvSpPr>
+          <p:nvPr>
+            <p:extLst>
+              <p:ext uri="{386F3935-93C4-4BCD-93E2-E3B085C9AB24}">
+                <p16:designElem xmlns:p16="http://schemas.microsoft.com/office/powerpoint/2015/main" val="1"/>
+              </p:ext>
+            </p:extLst>
+          </p:nvPr>
+        </p:nvSpPr>
+        <p:spPr>
+          <a:xfrm>
+            <a:off x="3395001" y="2466604"/>
+            <a:ext cx="962395" cy="962395"/>
+          </a:xfrm>
+          <a:prstGeom prst="ellipse">
+            <a:avLst/>
+          </a:prstGeom>
+          <a:solidFill>
+            <a:schemeClr val="accent4"/>
+          </a:solidFill>
+          <a:ln>
+            <a:noFill/>
+          </a:ln>
+        </p:spPr>
+        <p:style>
+          <a:lnRef idx="2">
+            <a:schemeClr val="accent1">
+              <a:shade val="50000"/>
+            </a:schemeClr>
+          </a:lnRef>
+          <a:fillRef idx="1">
+            <a:schemeClr val="accent1"/>
+          </a:fillRef>
+          <a:effectRef idx="0">
+            <a:schemeClr val="accent1"/>
+          </a:effectRef>
+          <a:fontRef idx="minor">
+            <a:schemeClr val="lt1"/>
+          </a:fontRef>
+        </p:style>
+        <p:txBody>
+          <a:bodyPr rtlCol="0" anchor="ctr"/>
+          <a:lstStyle/>
+          <a:p>
+            <a:pPr marL="0" marR="0" lvl="0" indent="0" algn="ctr" defTabSz="914400" rtl="0" eaLnBrk="1" fontAlgn="auto" latinLnBrk="0" hangingPunct="1">
+              <a:lnSpc>
+                <a:spcPct val="100000"/>
+              </a:lnSpc>
+              <a:spcBef>
+                <a:spcPts val="0"/>
+              </a:spcBef>
+              <a:spcAft>
+                <a:spcPts val="0"/>
+              </a:spcAft>
+              <a:buClrTx/>
+              <a:buSzTx/>
+              <a:buFontTx/>
+              <a:buNone/>
+              <a:tabLst/>
+              <a:defRPr/>
+            </a:pPr>
+            <a:endParaRPr kumimoji="0" lang="en-US" sz="1800" b="0" i="0" u="none" strike="noStrike" kern="1200" cap="none" spc="0" normalizeH="0" baseline="0" noProof="0">
+              <a:ln>
+                <a:noFill/>
+              </a:ln>
+              <a:solidFill>
+                <a:prstClr val="white"/>
+              </a:solidFill>
+              <a:effectLst/>
+              <a:uLnTx/>
+              <a:uFillTx/>
+              <a:latin typeface="Calibri" panose="020F0502020204030204"/>
+              <a:ea typeface="+mn-ea"/>
+              <a:cs typeface="+mn-cs"/>
+            </a:endParaRPr>
+          </a:p>
+        </p:txBody>
+      </p:sp>
+      <p:sp>
+        <p:nvSpPr>
+          <p:cNvPr id="29" name="Oval 28">
+            <a:extLst>
+              <a:ext uri="{FF2B5EF4-FFF2-40B4-BE49-F238E27FC236}">
+                <a16:creationId xmlns:a16="http://schemas.microsoft.com/office/drawing/2014/main" id="{34244EF8-D73A-40E1-BE73-D46E6B4B04ED}"/>
+              </a:ext>
+              <a:ext uri="{C183D7F6-B498-43B3-948B-1728B52AA6E4}">
+                <adec:decorative xmlns:adec="http://schemas.microsoft.com/office/drawing/2017/decorative" val="1"/>
+              </a:ext>
+            </a:extLst>
+          </p:cNvPr>
+          <p:cNvSpPr>
+            <a:spLocks noGrp="1" noRot="1" noChangeAspect="1" noMove="1" noResize="1" noEditPoints="1" noAdjustHandles="1" noChangeArrowheads="1" noChangeShapeType="1" noTextEdit="1"/>
+          </p:cNvSpPr>
+          <p:nvPr>
+            <p:extLst>
+              <p:ext uri="{386F3935-93C4-4BCD-93E2-E3B085C9AB24}">
+                <p16:designElem xmlns:p16="http://schemas.microsoft.com/office/powerpoint/2015/main" val="1"/>
+              </p:ext>
+            </p:extLst>
+          </p:nvPr>
+        </p:nvSpPr>
+        <p:spPr>
+          <a:xfrm>
+            <a:off x="5125829" y="2327988"/>
+            <a:ext cx="293695" cy="293695"/>
+          </a:xfrm>
+          <a:prstGeom prst="ellipse">
+            <a:avLst/>
+          </a:prstGeom>
+          <a:solidFill>
+            <a:schemeClr val="accent3"/>
+          </a:solidFill>
+          <a:ln>
+            <a:noFill/>
+          </a:ln>
+        </p:spPr>
+        <p:style>
+          <a:lnRef idx="2">
+            <a:schemeClr val="accent1">
+              <a:shade val="50000"/>
+            </a:schemeClr>
+          </a:lnRef>
+          <a:fillRef idx="1">
+            <a:schemeClr val="accent1"/>
+          </a:fillRef>
+          <a:effectRef idx="0">
+            <a:schemeClr val="accent1"/>
+          </a:effectRef>
+          <a:fontRef idx="minor">
+            <a:schemeClr val="lt1"/>
+          </a:fontRef>
+        </p:style>
+        <p:txBody>
+          <a:bodyPr rtlCol="0" anchor="ctr"/>
+          <a:lstStyle/>
+          <a:p>
+            <a:pPr marL="0" marR="0" lvl="0" indent="0" algn="ctr" defTabSz="914400" rtl="0" eaLnBrk="1" fontAlgn="auto" latinLnBrk="0" hangingPunct="1">
+              <a:lnSpc>
+                <a:spcPct val="100000"/>
+              </a:lnSpc>
+              <a:spcBef>
+                <a:spcPts val="0"/>
+              </a:spcBef>
+              <a:spcAft>
+                <a:spcPts val="0"/>
+              </a:spcAft>
+              <a:buClrTx/>
+              <a:buSzTx/>
+              <a:buFontTx/>
+              <a:buNone/>
+              <a:tabLst/>
+              <a:defRPr/>
+            </a:pPr>
+            <a:endParaRPr kumimoji="0" lang="en-US" sz="1800" b="0" i="0" u="none" strike="noStrike" kern="1200" cap="none" spc="0" normalizeH="0" baseline="0" noProof="0">
+              <a:ln>
+                <a:noFill/>
+              </a:ln>
+              <a:solidFill>
+                <a:prstClr val="white"/>
+              </a:solidFill>
+              <a:effectLst/>
+              <a:uLnTx/>
+              <a:uFillTx/>
+              <a:latin typeface="Calibri" panose="020F0502020204030204"/>
+              <a:ea typeface="+mn-ea"/>
+              <a:cs typeface="+mn-cs"/>
+            </a:endParaRPr>
+          </a:p>
+        </p:txBody>
+      </p:sp>
+      <p:sp>
+        <p:nvSpPr>
+          <p:cNvPr id="31" name="Freeform: Shape 30">
+            <a:extLst>
+              <a:ext uri="{FF2B5EF4-FFF2-40B4-BE49-F238E27FC236}">
+                <a16:creationId xmlns:a16="http://schemas.microsoft.com/office/drawing/2014/main" id="{AB84D7E8-4ECB-42D7-ADBF-01689B0F24AE}"/>
+              </a:ext>
+              <a:ext uri="{C183D7F6-B498-43B3-948B-1728B52AA6E4}">
+                <adec:decorative xmlns:adec="http://schemas.microsoft.com/office/drawing/2017/decorative" val="1"/>
+              </a:ext>
+            </a:extLst>
+          </p:cNvPr>
+          <p:cNvSpPr>
+            <a:spLocks noGrp="1" noRot="1" noChangeAspect="1" noMove="1" noResize="1" noEditPoints="1" noAdjustHandles="1" noChangeArrowheads="1" noChangeShapeType="1" noTextEdit="1"/>
+          </p:cNvSpPr>
+          <p:nvPr>
+            <p:extLst>
+              <p:ext uri="{386F3935-93C4-4BCD-93E2-E3B085C9AB24}">
+                <p16:designElem xmlns:p16="http://schemas.microsoft.com/office/powerpoint/2015/main" val="1"/>
+              </p:ext>
+            </p:extLst>
+          </p:nvPr>
+        </p:nvSpPr>
+        <p:spPr>
+          <a:xfrm>
+            <a:off x="6492113" y="0"/>
+            <a:ext cx="5699887" cy="4059244"/>
+          </a:xfrm>
+          <a:custGeom>
+            <a:avLst/>
+            <a:gdLst>
+              <a:gd name="connsiteX0" fmla="*/ 0 w 5699887"/>
+              <a:gd name="connsiteY0" fmla="*/ 0 h 4059244"/>
+              <a:gd name="connsiteX1" fmla="*/ 5699887 w 5699887"/>
+              <a:gd name="connsiteY1" fmla="*/ 0 h 4059244"/>
+              <a:gd name="connsiteX2" fmla="*/ 5699887 w 5699887"/>
+              <a:gd name="connsiteY2" fmla="*/ 3944096 h 4059244"/>
+              <a:gd name="connsiteX3" fmla="*/ 5525775 w 5699887"/>
+              <a:gd name="connsiteY3" fmla="*/ 3980429 h 4059244"/>
+              <a:gd name="connsiteX4" fmla="*/ 4663256 w 5699887"/>
+              <a:gd name="connsiteY4" fmla="*/ 4059244 h 4059244"/>
+              <a:gd name="connsiteX5" fmla="*/ 8566 w 5699887"/>
+              <a:gd name="connsiteY5" fmla="*/ 67422 h 4059244"/>
+            </a:gdLst>
+            <a:ahLst/>
+            <a:cxnLst>
+              <a:cxn ang="0">
+                <a:pos x="connsiteX0" y="connsiteY0"/>
+              </a:cxn>
+              <a:cxn ang="0">
+                <a:pos x="connsiteX1" y="connsiteY1"/>
+              </a:cxn>
+              <a:cxn ang="0">
+                <a:pos x="connsiteX2" y="connsiteY2"/>
+              </a:cxn>
+              <a:cxn ang="0">
+                <a:pos x="connsiteX3" y="connsiteY3"/>
+              </a:cxn>
+              <a:cxn ang="0">
+                <a:pos x="connsiteX4" y="connsiteY4"/>
+              </a:cxn>
+              <a:cxn ang="0">
+                <a:pos x="connsiteX5" y="connsiteY5"/>
+              </a:cxn>
+            </a:cxnLst>
+            <a:rect l="l" t="t" r="r" b="b"/>
+            <a:pathLst>
+              <a:path w="5699887" h="4059244">
+                <a:moveTo>
+                  <a:pt x="0" y="0"/>
+                </a:moveTo>
+                <a:lnTo>
+                  <a:pt x="5699887" y="0"/>
+                </a:lnTo>
+                <a:lnTo>
+                  <a:pt x="5699887" y="3944096"/>
+                </a:lnTo>
+                <a:lnTo>
+                  <a:pt x="5525775" y="3980429"/>
+                </a:lnTo>
+                <a:cubicBezTo>
+                  <a:pt x="5246154" y="4032190"/>
+                  <a:pt x="4957865" y="4059244"/>
+                  <a:pt x="4663256" y="4059244"/>
+                </a:cubicBezTo>
+                <a:cubicBezTo>
+                  <a:pt x="2306390" y="4059244"/>
+                  <a:pt x="353936" y="2327747"/>
+                  <a:pt x="8566" y="67422"/>
+                </a:cubicBezTo>
+                <a:close/>
+              </a:path>
+            </a:pathLst>
+          </a:custGeom>
+          <a:solidFill>
+            <a:srgbClr val="595959"/>
+          </a:solidFill>
+          <a:ln>
+            <a:noFill/>
+          </a:ln>
+        </p:spPr>
+        <p:style>
+          <a:lnRef idx="2">
+            <a:schemeClr val="accent1">
+              <a:shade val="50000"/>
+            </a:schemeClr>
+          </a:lnRef>
+          <a:fillRef idx="1">
+            <a:schemeClr val="accent1"/>
+          </a:fillRef>
+          <a:effectRef idx="0">
+            <a:schemeClr val="accent1"/>
+          </a:effectRef>
+          <a:fontRef idx="minor">
+            <a:schemeClr val="lt1"/>
+          </a:fontRef>
+        </p:style>
+        <p:txBody>
+          <a:bodyPr rtlCol="0" anchor="ctr"/>
+          <a:lstStyle/>
+          <a:p>
+            <a:pPr marL="0" marR="0" lvl="0" indent="0" algn="ctr" defTabSz="914400" rtl="0" eaLnBrk="1" fontAlgn="auto" latinLnBrk="0" hangingPunct="1">
+              <a:lnSpc>
+                <a:spcPct val="100000"/>
+              </a:lnSpc>
+              <a:spcBef>
+                <a:spcPts val="0"/>
+              </a:spcBef>
+              <a:spcAft>
+                <a:spcPts val="0"/>
+              </a:spcAft>
+              <a:buClrTx/>
+              <a:buSzTx/>
+              <a:buFontTx/>
+              <a:buNone/>
+              <a:tabLst/>
+              <a:defRPr/>
+            </a:pPr>
+            <a:endParaRPr kumimoji="0" lang="en-US" sz="1800" b="0" i="0" u="none" strike="noStrike" kern="1200" cap="none" spc="0" normalizeH="0" baseline="0" noProof="0">
+              <a:ln>
+                <a:noFill/>
+              </a:ln>
+              <a:solidFill>
+                <a:prstClr val="white"/>
+              </a:solidFill>
+              <a:effectLst/>
+              <a:uLnTx/>
+              <a:uFillTx/>
+              <a:latin typeface="Calibri" panose="020F0502020204030204"/>
+              <a:ea typeface="+mn-ea"/>
+              <a:cs typeface="+mn-cs"/>
+            </a:endParaRPr>
+          </a:p>
+        </p:txBody>
+      </p:sp>
+      <p:cxnSp>
+        <p:nvCxnSpPr>
+          <p:cNvPr id="33" name="Straight Connector 32">
+            <a:extLst>
+              <a:ext uri="{FF2B5EF4-FFF2-40B4-BE49-F238E27FC236}">
+                <a16:creationId xmlns:a16="http://schemas.microsoft.com/office/drawing/2014/main" id="{9E8E38ED-369A-44C2-B635-0BED0E48A6E8}"/>
+              </a:ext>
+              <a:ext uri="{C183D7F6-B498-43B3-948B-1728B52AA6E4}">
+                <adec:decorative xmlns:adec="http://schemas.microsoft.com/office/drawing/2017/decorative" val="1"/>
+              </a:ext>
+            </a:extLst>
+          </p:cNvPr>
+          <p:cNvCxnSpPr>
+            <a:cxnSpLocks noGrp="1" noRot="1" noChangeAspect="1" noMove="1" noResize="1" noEditPoints="1" noAdjustHandles="1" noChangeArrowheads="1" noChangeShapeType="1"/>
+          </p:cNvCxnSpPr>
+          <p:nvPr>
+            <p:extLst>
+              <p:ext uri="{386F3935-93C4-4BCD-93E2-E3B085C9AB24}">
+                <p16:designElem xmlns:p16="http://schemas.microsoft.com/office/powerpoint/2015/main" val="1"/>
+              </p:ext>
+            </p:extLst>
+          </p:nvPr>
+        </p:nvCxnSpPr>
+        <p:spPr>
+          <a:xfrm>
+            <a:off x="7800392" y="4525347"/>
+            <a:ext cx="0" cy="1737360"/>
+          </a:xfrm>
+          <a:prstGeom prst="line">
+            <a:avLst/>
+          </a:prstGeom>
+          <a:ln w="19050" cap="sq">
+            <a:solidFill>
+              <a:schemeClr val="tx1"/>
+            </a:solidFill>
+          </a:ln>
+        </p:spPr>
+        <p:style>
+          <a:lnRef idx="1">
+            <a:schemeClr val="accent1"/>
+          </a:lnRef>
+          <a:fillRef idx="0">
+            <a:schemeClr val="accent1"/>
+          </a:fillRef>
+          <a:effectRef idx="0">
+            <a:schemeClr val="accent1"/>
+          </a:effectRef>
+          <a:fontRef idx="minor">
+            <a:schemeClr val="tx1"/>
+          </a:fontRef>
+        </p:style>
+      </p:cxnSp>
     </p:spTree>
     <p:extLst>
       <p:ext uri="{BB962C8B-B14F-4D97-AF65-F5344CB8AC3E}">
@@ -12573,6 +13173,14 @@
 <file path=ppt/slides/slide10.xml><?xml version="1.0" encoding="utf-8"?>
 <p:sld xmlns:a="http://schemas.openxmlformats.org/drawingml/2006/main" xmlns:r="http://schemas.openxmlformats.org/officeDocument/2006/relationships" xmlns:p="http://schemas.openxmlformats.org/presentationml/2006/main">
   <p:cSld>
+    <p:bg>
+      <p:bgPr>
+        <a:solidFill>
+          <a:schemeClr val="bg1"/>
+        </a:solidFill>
+        <a:effectLst/>
+      </p:bgPr>
+    </p:bg>
     <p:spTree>
       <p:nvGrpSpPr>
         <p:cNvPr id="1" name=""/>
@@ -12589,25 +13197,129 @@
       </p:grpSpPr>
       <p:sp>
         <p:nvSpPr>
-          <p:cNvPr id="2" name="Title 1">
+          <p:cNvPr id="71" name="Rectangle 70">
             <a:extLst>
               <a:ext uri="{FF2B5EF4-FFF2-40B4-BE49-F238E27FC236}">
-                <a16:creationId xmlns:a16="http://schemas.microsoft.com/office/drawing/2014/main" id="{3A8E2FCB-6618-40A7-BD74-497975054C51}"/>
+                <a16:creationId xmlns:a16="http://schemas.microsoft.com/office/drawing/2014/main" id="{32BC26D8-82FB-445E-AA49-62A77D7C1EE0}"/>
+              </a:ext>
+              <a:ext uri="{C183D7F6-B498-43B3-948B-1728B52AA6E4}">
+                <adec:decorative xmlns:adec="http://schemas.microsoft.com/office/drawing/2017/decorative" val="1"/>
               </a:ext>
             </a:extLst>
           </p:cNvPr>
           <p:cNvSpPr>
-            <a:spLocks noGrp="1"/>
+            <a:spLocks noGrp="1" noRot="1" noChangeAspect="1" noMove="1" noResize="1" noEditPoints="1" noAdjustHandles="1" noChangeArrowheads="1" noChangeShapeType="1" noTextEdit="1"/>
           </p:cNvSpPr>
           <p:nvPr>
-            <p:ph type="title"/>
+            <p:extLst>
+              <p:ext uri="{386F3935-93C4-4BCD-93E2-E3B085C9AB24}">
+                <p16:designElem xmlns:p16="http://schemas.microsoft.com/office/powerpoint/2015/main" val="1"/>
+              </p:ext>
+            </p:extLst>
           </p:nvPr>
         </p:nvSpPr>
-        <p:spPr/>
+        <p:spPr>
+          <a:xfrm>
+            <a:off x="0" y="0"/>
+            <a:ext cx="12192000" cy="6858000"/>
+          </a:xfrm>
+          <a:prstGeom prst="rect">
+            <a:avLst/>
+          </a:prstGeom>
+          <a:solidFill>
+            <a:schemeClr val="tx1">
+              <a:lumMod val="65000"/>
+              <a:lumOff val="35000"/>
+            </a:schemeClr>
+          </a:solidFill>
+          <a:ln>
+            <a:noFill/>
+          </a:ln>
+        </p:spPr>
+        <p:style>
+          <a:lnRef idx="2">
+            <a:schemeClr val="accent1">
+              <a:shade val="50000"/>
+            </a:schemeClr>
+          </a:lnRef>
+          <a:fillRef idx="1">
+            <a:schemeClr val="accent1"/>
+          </a:fillRef>
+          <a:effectRef idx="0">
+            <a:schemeClr val="accent1"/>
+          </a:effectRef>
+          <a:fontRef idx="minor">
+            <a:schemeClr val="lt1"/>
+          </a:fontRef>
+        </p:style>
         <p:txBody>
-          <a:bodyPr/>
+          <a:bodyPr rtlCol="0" anchor="ctr"/>
           <a:lstStyle/>
           <a:p>
+            <a:pPr algn="ctr"/>
+            <a:endParaRPr lang="en-US"/>
+          </a:p>
+        </p:txBody>
+      </p:sp>
+      <p:sp>
+        <p:nvSpPr>
+          <p:cNvPr id="73" name="Rectangle 72">
+            <a:extLst>
+              <a:ext uri="{FF2B5EF4-FFF2-40B4-BE49-F238E27FC236}">
+                <a16:creationId xmlns:a16="http://schemas.microsoft.com/office/drawing/2014/main" id="{CB44330D-EA18-4254-AA95-EB49948539B8}"/>
+              </a:ext>
+              <a:ext uri="{C183D7F6-B498-43B3-948B-1728B52AA6E4}">
+                <adec:decorative xmlns:adec="http://schemas.microsoft.com/office/drawing/2017/decorative" val="1"/>
+              </a:ext>
+            </a:extLst>
+          </p:cNvPr>
+          <p:cNvSpPr>
+            <a:spLocks noGrp="1" noRot="1" noChangeAspect="1" noMove="1" noResize="1" noEditPoints="1" noAdjustHandles="1" noChangeArrowheads="1" noChangeShapeType="1" noTextEdit="1"/>
+          </p:cNvSpPr>
+          <p:nvPr>
+            <p:extLst>
+              <p:ext uri="{386F3935-93C4-4BCD-93E2-E3B085C9AB24}">
+                <p16:designElem xmlns:p16="http://schemas.microsoft.com/office/powerpoint/2015/main" val="1"/>
+              </p:ext>
+            </p:extLst>
+          </p:nvPr>
+        </p:nvSpPr>
+        <p:spPr>
+          <a:xfrm>
+            <a:off x="477012" y="480060"/>
+            <a:ext cx="11237976" cy="5897880"/>
+          </a:xfrm>
+          <a:prstGeom prst="rect">
+            <a:avLst/>
+          </a:prstGeom>
+          <a:solidFill>
+            <a:srgbClr val="FFFFFF"/>
+          </a:solidFill>
+          <a:ln>
+            <a:noFill/>
+          </a:ln>
+        </p:spPr>
+        <p:style>
+          <a:lnRef idx="2">
+            <a:schemeClr val="accent1">
+              <a:shade val="50000"/>
+            </a:schemeClr>
+          </a:lnRef>
+          <a:fillRef idx="1">
+            <a:schemeClr val="accent1"/>
+          </a:fillRef>
+          <a:effectRef idx="0">
+            <a:schemeClr val="accent1"/>
+          </a:effectRef>
+          <a:fontRef idx="minor">
+            <a:schemeClr val="lt1"/>
+          </a:fontRef>
+        </p:style>
+        <p:txBody>
+          <a:bodyPr rtlCol="0" anchor="ctr"/>
+          <a:lstStyle/>
+          <a:p>
+            <a:pPr algn="ctr"/>
             <a:endParaRPr lang="en-US"/>
           </a:p>
         </p:txBody>
@@ -12636,15 +13348,14 @@
               </a:ext>
             </a:extLst>
           </a:blip>
-          <a:srcRect/>
           <a:stretch>
             <a:fillRect/>
           </a:stretch>
         </p:blipFill>
         <p:spPr bwMode="auto">
           <a:xfrm>
-            <a:off x="2614929" y="1825625"/>
-            <a:ext cx="6962141" cy="4351338"/>
+            <a:off x="1639148" y="643467"/>
+            <a:ext cx="8913703" cy="5571066"/>
           </a:xfrm>
           <a:prstGeom prst="rect">
             <a:avLst/>
@@ -12677,6 +13388,14 @@
 <file path=ppt/slides/slide11.xml><?xml version="1.0" encoding="utf-8"?>
 <p:sld xmlns:a="http://schemas.openxmlformats.org/drawingml/2006/main" xmlns:r="http://schemas.openxmlformats.org/officeDocument/2006/relationships" xmlns:p="http://schemas.openxmlformats.org/presentationml/2006/main">
   <p:cSld>
+    <p:bg>
+      <p:bgPr>
+        <a:solidFill>
+          <a:schemeClr val="bg1"/>
+        </a:solidFill>
+        <a:effectLst/>
+      </p:bgPr>
+    </p:bg>
     <p:spTree>
       <p:nvGrpSpPr>
         <p:cNvPr id="1" name=""/>
@@ -12693,25 +13412,129 @@
       </p:grpSpPr>
       <p:sp>
         <p:nvSpPr>
-          <p:cNvPr id="2" name="Title 1">
+          <p:cNvPr id="71" name="Rectangle 70">
             <a:extLst>
               <a:ext uri="{FF2B5EF4-FFF2-40B4-BE49-F238E27FC236}">
-                <a16:creationId xmlns:a16="http://schemas.microsoft.com/office/drawing/2014/main" id="{DF906B81-7973-4ED9-ADA8-9BFC1BC544F6}"/>
+                <a16:creationId xmlns:a16="http://schemas.microsoft.com/office/drawing/2014/main" id="{32BC26D8-82FB-445E-AA49-62A77D7C1EE0}"/>
+              </a:ext>
+              <a:ext uri="{C183D7F6-B498-43B3-948B-1728B52AA6E4}">
+                <adec:decorative xmlns:adec="http://schemas.microsoft.com/office/drawing/2017/decorative" val="1"/>
               </a:ext>
             </a:extLst>
           </p:cNvPr>
           <p:cNvSpPr>
-            <a:spLocks noGrp="1"/>
+            <a:spLocks noGrp="1" noRot="1" noChangeAspect="1" noMove="1" noResize="1" noEditPoints="1" noAdjustHandles="1" noChangeArrowheads="1" noChangeShapeType="1" noTextEdit="1"/>
           </p:cNvSpPr>
           <p:nvPr>
-            <p:ph type="title"/>
+            <p:extLst>
+              <p:ext uri="{386F3935-93C4-4BCD-93E2-E3B085C9AB24}">
+                <p16:designElem xmlns:p16="http://schemas.microsoft.com/office/powerpoint/2015/main" val="1"/>
+              </p:ext>
+            </p:extLst>
           </p:nvPr>
         </p:nvSpPr>
-        <p:spPr/>
+        <p:spPr>
+          <a:xfrm>
+            <a:off x="0" y="0"/>
+            <a:ext cx="12192000" cy="6858000"/>
+          </a:xfrm>
+          <a:prstGeom prst="rect">
+            <a:avLst/>
+          </a:prstGeom>
+          <a:solidFill>
+            <a:schemeClr val="tx1">
+              <a:lumMod val="65000"/>
+              <a:lumOff val="35000"/>
+            </a:schemeClr>
+          </a:solidFill>
+          <a:ln>
+            <a:noFill/>
+          </a:ln>
+        </p:spPr>
+        <p:style>
+          <a:lnRef idx="2">
+            <a:schemeClr val="accent1">
+              <a:shade val="50000"/>
+            </a:schemeClr>
+          </a:lnRef>
+          <a:fillRef idx="1">
+            <a:schemeClr val="accent1"/>
+          </a:fillRef>
+          <a:effectRef idx="0">
+            <a:schemeClr val="accent1"/>
+          </a:effectRef>
+          <a:fontRef idx="minor">
+            <a:schemeClr val="lt1"/>
+          </a:fontRef>
+        </p:style>
         <p:txBody>
-          <a:bodyPr/>
+          <a:bodyPr rtlCol="0" anchor="ctr"/>
           <a:lstStyle/>
           <a:p>
+            <a:pPr algn="ctr"/>
+            <a:endParaRPr lang="en-US"/>
+          </a:p>
+        </p:txBody>
+      </p:sp>
+      <p:sp>
+        <p:nvSpPr>
+          <p:cNvPr id="73" name="Rectangle 72">
+            <a:extLst>
+              <a:ext uri="{FF2B5EF4-FFF2-40B4-BE49-F238E27FC236}">
+                <a16:creationId xmlns:a16="http://schemas.microsoft.com/office/drawing/2014/main" id="{CB44330D-EA18-4254-AA95-EB49948539B8}"/>
+              </a:ext>
+              <a:ext uri="{C183D7F6-B498-43B3-948B-1728B52AA6E4}">
+                <adec:decorative xmlns:adec="http://schemas.microsoft.com/office/drawing/2017/decorative" val="1"/>
+              </a:ext>
+            </a:extLst>
+          </p:cNvPr>
+          <p:cNvSpPr>
+            <a:spLocks noGrp="1" noRot="1" noChangeAspect="1" noMove="1" noResize="1" noEditPoints="1" noAdjustHandles="1" noChangeArrowheads="1" noChangeShapeType="1" noTextEdit="1"/>
+          </p:cNvSpPr>
+          <p:nvPr>
+            <p:extLst>
+              <p:ext uri="{386F3935-93C4-4BCD-93E2-E3B085C9AB24}">
+                <p16:designElem xmlns:p16="http://schemas.microsoft.com/office/powerpoint/2015/main" val="1"/>
+              </p:ext>
+            </p:extLst>
+          </p:nvPr>
+        </p:nvSpPr>
+        <p:spPr>
+          <a:xfrm>
+            <a:off x="477012" y="480060"/>
+            <a:ext cx="11237976" cy="5897880"/>
+          </a:xfrm>
+          <a:prstGeom prst="rect">
+            <a:avLst/>
+          </a:prstGeom>
+          <a:solidFill>
+            <a:srgbClr val="FFFFFF"/>
+          </a:solidFill>
+          <a:ln>
+            <a:noFill/>
+          </a:ln>
+        </p:spPr>
+        <p:style>
+          <a:lnRef idx="2">
+            <a:schemeClr val="accent1">
+              <a:shade val="50000"/>
+            </a:schemeClr>
+          </a:lnRef>
+          <a:fillRef idx="1">
+            <a:schemeClr val="accent1"/>
+          </a:fillRef>
+          <a:effectRef idx="0">
+            <a:schemeClr val="accent1"/>
+          </a:effectRef>
+          <a:fontRef idx="minor">
+            <a:schemeClr val="lt1"/>
+          </a:fontRef>
+        </p:style>
+        <p:txBody>
+          <a:bodyPr rtlCol="0" anchor="ctr"/>
+          <a:lstStyle/>
+          <a:p>
+            <a:pPr algn="ctr"/>
             <a:endParaRPr lang="en-US"/>
           </a:p>
         </p:txBody>
@@ -12740,15 +13563,14 @@
               </a:ext>
             </a:extLst>
           </a:blip>
-          <a:srcRect/>
           <a:stretch>
             <a:fillRect/>
           </a:stretch>
         </p:blipFill>
         <p:spPr bwMode="auto">
           <a:xfrm>
-            <a:off x="2614929" y="1825625"/>
-            <a:ext cx="6962141" cy="4351338"/>
+            <a:off x="1639148" y="643467"/>
+            <a:ext cx="8913703" cy="5571066"/>
           </a:xfrm>
           <a:prstGeom prst="rect">
             <a:avLst/>
@@ -13394,10 +14216,10 @@
       </p:grpSpPr>
       <p:sp>
         <p:nvSpPr>
-          <p:cNvPr id="16" name="Rectangle 11">
+          <p:cNvPr id="29" name="Rectangle 28">
             <a:extLst>
               <a:ext uri="{FF2B5EF4-FFF2-40B4-BE49-F238E27FC236}">
-                <a16:creationId xmlns:a16="http://schemas.microsoft.com/office/drawing/2014/main" id="{AB45A142-4255-493C-8284-5D566C121B10}"/>
+                <a16:creationId xmlns:a16="http://schemas.microsoft.com/office/drawing/2014/main" id="{32BC26D8-82FB-445E-AA49-62A77D7C1EE0}"/>
               </a:ext>
               <a:ext uri="{C183D7F6-B498-43B3-948B-1728B52AA6E4}">
                 <adec:decorative xmlns:adec="http://schemas.microsoft.com/office/drawing/2017/decorative" val="1"/>
@@ -13415,25 +14237,19 @@
             </p:extLst>
           </p:nvPr>
         </p:nvSpPr>
-        <p:spPr bwMode="ltGray">
+        <p:spPr>
           <a:xfrm>
-            <a:off x="336884" y="321177"/>
-            <a:ext cx="4332307" cy="6179552"/>
+            <a:off x="0" y="0"/>
+            <a:ext cx="12192000" cy="6858000"/>
           </a:xfrm>
           <a:prstGeom prst="rect">
             <a:avLst/>
           </a:prstGeom>
           <a:solidFill>
-            <a:srgbClr val="404040">
-              <a:alpha val="89804"/>
-            </a:srgbClr>
+            <a:srgbClr val="2F4F2B"/>
           </a:solidFill>
-          <a:ln w="127000" cap="sq" cmpd="thinThick">
-            <a:solidFill>
-              <a:srgbClr val="595959">
-                <a:alpha val="80000"/>
-              </a:srgbClr>
-            </a:solidFill>
+          <a:ln>
+            <a:noFill/>
           </a:ln>
         </p:spPr>
         <p:style>
@@ -13463,91 +14279,19 @@
       </p:sp>
       <p:sp>
         <p:nvSpPr>
-          <p:cNvPr id="2" name="Title 1">
+          <p:cNvPr id="31" name="Rectangle 30">
             <a:extLst>
               <a:ext uri="{FF2B5EF4-FFF2-40B4-BE49-F238E27FC236}">
-                <a16:creationId xmlns:a16="http://schemas.microsoft.com/office/drawing/2014/main" id="{DB9A60B7-E72C-5F48-B4DB-C210D470C544}"/>
+                <a16:creationId xmlns:a16="http://schemas.microsoft.com/office/drawing/2014/main" id="{CB44330D-EA18-4254-AA95-EB49948539B8}"/>
+              </a:ext>
+              <a:ext uri="{C183D7F6-B498-43B3-948B-1728B52AA6E4}">
+                <adec:decorative xmlns:adec="http://schemas.microsoft.com/office/drawing/2017/decorative" val="1"/>
               </a:ext>
             </a:extLst>
           </p:cNvPr>
           <p:cNvSpPr>
-            <a:spLocks noGrp="1"/>
+            <a:spLocks noGrp="1" noRot="1" noChangeAspect="1" noMove="1" noResize="1" noEditPoints="1" noAdjustHandles="1" noChangeArrowheads="1" noChangeShapeType="1" noTextEdit="1"/>
           </p:cNvSpPr>
-          <p:nvPr>
-            <p:ph type="ctrTitle"/>
-          </p:nvPr>
-        </p:nvSpPr>
-        <p:spPr>
-          <a:xfrm>
-            <a:off x="674237" y="914400"/>
-            <a:ext cx="3657600" cy="2887579"/>
-          </a:xfrm>
-        </p:spPr>
-        <p:txBody>
-          <a:bodyPr>
-            <a:normAutofit/>
-          </a:bodyPr>
-          <a:lstStyle/>
-          <a:p>
-            <a:endParaRPr lang="en-US" sz="4800">
-              <a:solidFill>
-                <a:srgbClr val="FFFFFF"/>
-              </a:solidFill>
-            </a:endParaRPr>
-          </a:p>
-        </p:txBody>
-      </p:sp>
-      <p:sp>
-        <p:nvSpPr>
-          <p:cNvPr id="3" name="Subtitle 2">
-            <a:extLst>
-              <a:ext uri="{FF2B5EF4-FFF2-40B4-BE49-F238E27FC236}">
-                <a16:creationId xmlns:a16="http://schemas.microsoft.com/office/drawing/2014/main" id="{B3DB4015-3D7D-4A46-812E-88A5CD16A750}"/>
-              </a:ext>
-            </a:extLst>
-          </p:cNvPr>
-          <p:cNvSpPr>
-            <a:spLocks noGrp="1"/>
-          </p:cNvSpPr>
-          <p:nvPr>
-            <p:ph type="subTitle" idx="1"/>
-          </p:nvPr>
-        </p:nvSpPr>
-        <p:spPr>
-          <a:xfrm>
-            <a:off x="674237" y="4170501"/>
-            <a:ext cx="3657600" cy="1525597"/>
-          </a:xfrm>
-        </p:spPr>
-        <p:txBody>
-          <a:bodyPr>
-            <a:normAutofit/>
-          </a:bodyPr>
-          <a:lstStyle/>
-          <a:p>
-            <a:endParaRPr lang="en-US" sz="2000">
-              <a:solidFill>
-                <a:srgbClr val="FFFFFF"/>
-              </a:solidFill>
-            </a:endParaRPr>
-          </a:p>
-        </p:txBody>
-      </p:sp>
-      <p:cxnSp>
-        <p:nvCxnSpPr>
-          <p:cNvPr id="17" name="Straight Connector 13">
-            <a:extLst>
-              <a:ext uri="{FF2B5EF4-FFF2-40B4-BE49-F238E27FC236}">
-                <a16:creationId xmlns:a16="http://schemas.microsoft.com/office/drawing/2014/main" id="{38FB9660-F42F-4313-BBC4-47C007FE484C}"/>
-              </a:ext>
-              <a:ext uri="{C183D7F6-B498-43B3-948B-1728B52AA6E4}">
-                <adec:decorative xmlns:adec="http://schemas.microsoft.com/office/drawing/2017/decorative" val="1"/>
-              </a:ext>
-            </a:extLst>
-          </p:cNvPr>
-          <p:cNvCxnSpPr>
-            <a:cxnSpLocks noGrp="1" noRot="1" noChangeAspect="1" noMove="1" noResize="1" noEditPoints="1" noAdjustHandles="1" noChangeArrowheads="1" noChangeShapeType="1"/>
-          </p:cNvCxnSpPr>
           <p:nvPr>
             <p:extLst>
               <p:ext uri="{386F3935-93C4-4BCD-93E2-E3B085C9AB24}">
@@ -13555,36 +14299,47 @@
               </p:ext>
             </p:extLst>
           </p:nvPr>
-        </p:nvCxnSpPr>
+        </p:nvSpPr>
         <p:spPr>
           <a:xfrm>
-            <a:off x="1191126" y="3910267"/>
-            <a:ext cx="2586790" cy="0"/>
+            <a:off x="477012" y="480060"/>
+            <a:ext cx="11237976" cy="5897880"/>
           </a:xfrm>
-          <a:prstGeom prst="line">
+          <a:prstGeom prst="rect">
             <a:avLst/>
           </a:prstGeom>
-          <a:ln w="22225">
-            <a:solidFill>
-              <a:srgbClr val="D9D9D9"/>
-            </a:solidFill>
+          <a:solidFill>
+            <a:srgbClr val="FFFFFF"/>
+          </a:solidFill>
+          <a:ln>
+            <a:noFill/>
           </a:ln>
         </p:spPr>
         <p:style>
-          <a:lnRef idx="1">
-            <a:schemeClr val="accent1"/>
+          <a:lnRef idx="2">
+            <a:schemeClr val="accent1">
+              <a:shade val="50000"/>
+            </a:schemeClr>
           </a:lnRef>
-          <a:fillRef idx="0">
+          <a:fillRef idx="1">
             <a:schemeClr val="accent1"/>
           </a:fillRef>
           <a:effectRef idx="0">
             <a:schemeClr val="accent1"/>
           </a:effectRef>
           <a:fontRef idx="minor">
-            <a:schemeClr val="tx1"/>
+            <a:schemeClr val="lt1"/>
           </a:fontRef>
         </p:style>
-      </p:cxnSp>
+        <p:txBody>
+          <a:bodyPr rtlCol="0" anchor="ctr"/>
+          <a:lstStyle/>
+          <a:p>
+            <a:pPr algn="ctr"/>
+            <a:endParaRPr lang="en-US"/>
+          </a:p>
+        </p:txBody>
+      </p:sp>
       <p:pic>
         <p:nvPicPr>
           <p:cNvPr id="7" name="Picture 6">
@@ -13599,16 +14354,15 @@
           </p:cNvPicPr>
           <p:nvPr/>
         </p:nvPicPr>
-        <p:blipFill>
+        <p:blipFill rotWithShape="1">
           <a:blip r:embed="rId2"/>
-          <a:stretch>
-            <a:fillRect/>
-          </a:stretch>
+          <a:srcRect r="-1" b="15624"/>
+          <a:stretch/>
         </p:blipFill>
         <p:spPr>
           <a:xfrm>
-            <a:off x="5153822" y="1248456"/>
-            <a:ext cx="6553545" cy="4369029"/>
+            <a:off x="1143950" y="643467"/>
+            <a:ext cx="9904099" cy="5571066"/>
           </a:xfrm>
           <a:prstGeom prst="rect">
             <a:avLst/>
@@ -15078,8 +15832,8 @@
         </p:nvSpPr>
         <p:spPr>
           <a:xfrm>
-            <a:off x="6336287" y="2160589"/>
-            <a:ext cx="2934714" cy="3880773"/>
+            <a:off x="6864474" y="1690688"/>
+            <a:ext cx="5327526" cy="3974437"/>
           </a:xfrm>
         </p:spPr>
         <p:txBody>
@@ -15088,53 +15842,119 @@
           </a:bodyPr>
           <a:lstStyle/>
           <a:p>
-            <a:pPr>
+            <a:pPr marL="0" indent="0">
               <a:lnSpc>
                 <a:spcPct val="90000"/>
               </a:lnSpc>
+              <a:buNone/>
             </a:pPr>
             <a:r>
-              <a:rPr lang="en-US" sz="1700" b="1"/>
-              <a:t>If the land bank is involved in the neighborhood,  then various neighborhood indicators should improve.  The three indicators are home/property values, standardized test scores, and  crime statistics.  We chose these three because they  point to both financial and quality of life improvements.</a:t>
+              <a:rPr lang="en-US" sz="2000" b="1" dirty="0"/>
+              <a:t>If the land bank is involved in the neighborhood then various neighborhood indicators should improve. </a:t>
+            </a:r>
+          </a:p>
+          <a:p>
+            <a:pPr marL="0" indent="0">
+              <a:buNone/>
+            </a:pPr>
+            <a:r>
+              <a:rPr lang="en-US" sz="2000" b="1" dirty="0"/>
+              <a:t>The three indicators are:</a:t>
+            </a:r>
+          </a:p>
+          <a:p>
+            <a:r>
+              <a:rPr lang="en-US" sz="2000" b="1" dirty="0"/>
+              <a:t> home/property values</a:t>
+            </a:r>
+          </a:p>
+          <a:p>
+            <a:r>
+              <a:rPr lang="en-US" sz="2000" b="1" dirty="0"/>
+              <a:t>standardized test scores</a:t>
+            </a:r>
+          </a:p>
+          <a:p>
+            <a:r>
+              <a:rPr lang="en-US" sz="2000" b="1" dirty="0"/>
+              <a:t>crime statistics. </a:t>
+            </a:r>
+          </a:p>
+          <a:p>
+            <a:pPr marL="0" indent="0">
+              <a:buNone/>
+            </a:pPr>
+            <a:r>
+              <a:rPr lang="en-US" sz="2000" b="1" dirty="0"/>
+              <a:t> We chose these three because they  point to both financial and quality of life improvements.</a:t>
             </a:r>
           </a:p>
         </p:txBody>
       </p:sp>
-      <p:pic>
-        <p:nvPicPr>
-          <p:cNvPr id="4" name="Picture 3">
+      <p:graphicFrame>
+        <p:nvGraphicFramePr>
+          <p:cNvPr id="5" name="Object 4">
+            <a:hlinkClick r:id="" action="ppaction://ole?verb=0"/>
             <a:extLst>
               <a:ext uri="{FF2B5EF4-FFF2-40B4-BE49-F238E27FC236}">
-                <a16:creationId xmlns:a16="http://schemas.microsoft.com/office/drawing/2014/main" id="{2D5530AC-9615-452D-8955-FF9E5485C822}"/>
+                <a16:creationId xmlns:a16="http://schemas.microsoft.com/office/drawing/2014/main" id="{4F3B27C9-2D81-455C-96CE-456DDA200A4B}"/>
               </a:ext>
             </a:extLst>
           </p:cNvPr>
-          <p:cNvPicPr>
-            <a:picLocks noChangeAspect="1"/>
-          </p:cNvPicPr>
-          <p:nvPr/>
-        </p:nvPicPr>
-        <p:blipFill rotWithShape="1">
-          <a:blip r:embed="rId2">
-            <a:extLst>
-              <a:ext uri="{28A0092B-C50C-407E-A947-70E740481C1C}">
-                <a14:useLocalDpi xmlns:a14="http://schemas.microsoft.com/office/drawing/2010/main" val="0"/>
-              </a:ext>
-            </a:extLst>
-          </a:blip>
-          <a:srcRect r="16135" b="7"/>
-          <a:stretch/>
-        </p:blipFill>
-        <p:spPr>
-          <a:xfrm>
-            <a:off x="677334" y="2159331"/>
-            <a:ext cx="5423429" cy="3882362"/>
-          </a:xfrm>
-          <a:prstGeom prst="rect">
-            <a:avLst/>
-          </a:prstGeom>
-        </p:spPr>
-      </p:pic>
+          <p:cNvGraphicFramePr>
+            <a:graphicFrameLocks noChangeAspect="1"/>
+          </p:cNvGraphicFramePr>
+          <p:nvPr>
+            <p:extLst>
+              <p:ext uri="{D42A27DB-BD31-4B8C-83A1-F6EECF244321}">
+                <p14:modId xmlns:p14="http://schemas.microsoft.com/office/powerpoint/2010/main" val="3257954217"/>
+              </p:ext>
+            </p:extLst>
+          </p:nvPr>
+        </p:nvGraphicFramePr>
+        <p:xfrm>
+          <a:off x="0" y="1020932"/>
+          <a:ext cx="6960094" cy="5610687"/>
+        </p:xfrm>
+        <a:graphic>
+          <a:graphicData uri="http://schemas.openxmlformats.org/presentationml/2006/ole">
+            <mc:AlternateContent xmlns:mc="http://schemas.openxmlformats.org/markup-compatibility/2006">
+              <mc:Choice xmlns:v="urn:schemas-microsoft-com:vml" Requires="v">
+                <p:oleObj spid="_x0000_s1030" name="Presentation" r:id="rId3" imgW="4570388" imgH="3427437" progId="PowerPoint.Show.12">
+                  <p:embed/>
+                </p:oleObj>
+              </mc:Choice>
+              <mc:Fallback>
+                <p:oleObj name="Presentation" r:id="rId3" imgW="4570388" imgH="3427437" progId="PowerPoint.Show.12">
+                  <p:embed/>
+                  <p:pic>
+                    <p:nvPicPr>
+                      <p:cNvPr id="0" name=""/>
+                      <p:cNvPicPr/>
+                      <p:nvPr/>
+                    </p:nvPicPr>
+                    <p:blipFill>
+                      <a:blip r:embed="rId4"/>
+                      <a:stretch>
+                        <a:fillRect/>
+                      </a:stretch>
+                    </p:blipFill>
+                    <p:spPr>
+                      <a:xfrm>
+                        <a:off x="0" y="1020932"/>
+                        <a:ext cx="6960094" cy="5610687"/>
+                      </a:xfrm>
+                      <a:prstGeom prst="rect">
+                        <a:avLst/>
+                      </a:prstGeom>
+                    </p:spPr>
+                  </p:pic>
+                </p:oleObj>
+              </mc:Fallback>
+            </mc:AlternateContent>
+          </a:graphicData>
+        </a:graphic>
+      </p:graphicFrame>
     </p:spTree>
     <p:extLst>
       <p:ext uri="{BB962C8B-B14F-4D97-AF65-F5344CB8AC3E}">
@@ -15207,7 +16027,7 @@
                   <a:srgbClr val="FF0000"/>
                 </a:solidFill>
               </a:rPr>
-              <a:t>Describe the questions you and your group found interesting, and what motivated you to answer them </a:t>
+              <a:t>Describe the questions you and your group found interesting, and what motivated you to answer them?</a:t>
             </a:r>
           </a:p>
         </p:txBody>
@@ -15578,14 +16398,12 @@
           <a:lstStyle/>
           <a:p>
             <a:r>
-              <a:rPr lang="en-US" sz="2400" dirty="0"/>
-              <a:t>Beth to answer this question</a:t>
+              <a:rPr lang="en-US" sz="2400" dirty="0" err="1"/>
+              <a:t>Jupyter</a:t>
             </a:r>
-          </a:p>
-          <a:p>
             <a:r>
               <a:rPr lang="en-US" sz="2400" dirty="0"/>
-              <a:t>John-</a:t>
+              <a:t> Notebook Markdown</a:t>
             </a:r>
           </a:p>
         </p:txBody>
@@ -15795,7 +16613,7 @@
           <a:p>
             <a:pPr algn="ctr"/>
             <a:r>
-              <a:rPr lang="en-US" sz="2200" kern="1200">
+              <a:rPr lang="en-US" sz="2200" kern="1200" dirty="0">
                 <a:solidFill>
                   <a:srgbClr val="FFFFFF"/>
                 </a:solidFill>
@@ -15803,7 +16621,29 @@
                 <a:ea typeface="+mj-ea"/>
                 <a:cs typeface="+mj-cs"/>
               </a:rPr>
-              <a:t>Describe the analysis process (accompanied by your Jupyter Notebook)</a:t>
+              <a:t>Describe the analysis process (accompanied by your </a:t>
+            </a:r>
+            <a:r>
+              <a:rPr lang="en-US" sz="2200" kern="1200" dirty="0" err="1">
+                <a:solidFill>
+                  <a:srgbClr val="FFFFFF"/>
+                </a:solidFill>
+                <a:latin typeface="+mj-lt"/>
+                <a:ea typeface="+mj-ea"/>
+                <a:cs typeface="+mj-cs"/>
+              </a:rPr>
+              <a:t>Jupyter</a:t>
+            </a:r>
+            <a:r>
+              <a:rPr lang="en-US" sz="2200" kern="1200" dirty="0">
+                <a:solidFill>
+                  <a:srgbClr val="FFFFFF"/>
+                </a:solidFill>
+                <a:latin typeface="+mj-lt"/>
+                <a:ea typeface="+mj-ea"/>
+                <a:cs typeface="+mj-cs"/>
+              </a:rPr>
+              <a:t> Notebook)</a:t>
             </a:r>
           </a:p>
         </p:txBody>
@@ -16134,6 +16974,14 @@
 <file path=ppt/slides/slide8.xml><?xml version="1.0" encoding="utf-8"?>
 <p:sld xmlns:a="http://schemas.openxmlformats.org/drawingml/2006/main" xmlns:r="http://schemas.openxmlformats.org/officeDocument/2006/relationships" xmlns:p="http://schemas.openxmlformats.org/presentationml/2006/main">
   <p:cSld>
+    <p:bg>
+      <p:bgPr>
+        <a:solidFill>
+          <a:schemeClr val="bg1"/>
+        </a:solidFill>
+        <a:effectLst/>
+      </p:bgPr>
+    </p:bg>
     <p:spTree>
       <p:nvGrpSpPr>
         <p:cNvPr id="1" name=""/>
@@ -16150,6 +16998,75 @@
       </p:grpSpPr>
       <p:sp>
         <p:nvSpPr>
+          <p:cNvPr id="9" name="Rectangle 8">
+            <a:extLst>
+              <a:ext uri="{FF2B5EF4-FFF2-40B4-BE49-F238E27FC236}">
+                <a16:creationId xmlns:a16="http://schemas.microsoft.com/office/drawing/2014/main" id="{AB45A142-4255-493C-8284-5D566C121B10}"/>
+              </a:ext>
+              <a:ext uri="{C183D7F6-B498-43B3-948B-1728B52AA6E4}">
+                <adec:decorative xmlns:adec="http://schemas.microsoft.com/office/drawing/2017/decorative" val="1"/>
+              </a:ext>
+            </a:extLst>
+          </p:cNvPr>
+          <p:cNvSpPr>
+            <a:spLocks noGrp="1" noRot="1" noChangeAspect="1" noMove="1" noResize="1" noEditPoints="1" noAdjustHandles="1" noChangeArrowheads="1" noChangeShapeType="1" noTextEdit="1"/>
+          </p:cNvSpPr>
+          <p:nvPr>
+            <p:extLst>
+              <p:ext uri="{386F3935-93C4-4BCD-93E2-E3B085C9AB24}">
+                <p16:designElem xmlns:p16="http://schemas.microsoft.com/office/powerpoint/2015/main" val="1"/>
+              </p:ext>
+            </p:extLst>
+          </p:nvPr>
+        </p:nvSpPr>
+        <p:spPr bwMode="ltGray">
+          <a:xfrm>
+            <a:off x="336884" y="321177"/>
+            <a:ext cx="4332307" cy="6179552"/>
+          </a:xfrm>
+          <a:prstGeom prst="rect">
+            <a:avLst/>
+          </a:prstGeom>
+          <a:solidFill>
+            <a:srgbClr val="404040">
+              <a:alpha val="89804"/>
+            </a:srgbClr>
+          </a:solidFill>
+          <a:ln w="127000" cap="sq" cmpd="thinThick">
+            <a:solidFill>
+              <a:srgbClr val="595959">
+                <a:alpha val="80000"/>
+              </a:srgbClr>
+            </a:solidFill>
+          </a:ln>
+        </p:spPr>
+        <p:style>
+          <a:lnRef idx="2">
+            <a:schemeClr val="accent1">
+              <a:shade val="50000"/>
+            </a:schemeClr>
+          </a:lnRef>
+          <a:fillRef idx="1">
+            <a:schemeClr val="accent1"/>
+          </a:fillRef>
+          <a:effectRef idx="0">
+            <a:schemeClr val="accent1"/>
+          </a:effectRef>
+          <a:fontRef idx="minor">
+            <a:schemeClr val="lt1"/>
+          </a:fontRef>
+        </p:style>
+        <p:txBody>
+          <a:bodyPr rtlCol="0" anchor="ctr"/>
+          <a:lstStyle/>
+          <a:p>
+            <a:pPr algn="ctr"/>
+            <a:endParaRPr lang="en-US"/>
+          </a:p>
+        </p:txBody>
+      </p:sp>
+      <p:sp>
+        <p:nvSpPr>
           <p:cNvPr id="2" name="Title 1">
             <a:extLst>
               <a:ext uri="{FF2B5EF4-FFF2-40B4-BE49-F238E27FC236}">
@@ -16164,24 +17081,103 @@
             <p:ph type="title"/>
           </p:nvPr>
         </p:nvSpPr>
-        <p:spPr/>
+        <p:spPr>
+          <a:xfrm>
+            <a:off x="674237" y="914400"/>
+            <a:ext cx="3657600" cy="2887579"/>
+          </a:xfrm>
+        </p:spPr>
         <p:txBody>
-          <a:bodyPr>
-            <a:normAutofit fontScale="90000"/>
+          <a:bodyPr vert="horz" lIns="91440" tIns="45720" rIns="91440" bIns="45720" rtlCol="0" anchor="b">
+            <a:normAutofit/>
           </a:bodyPr>
           <a:lstStyle/>
           <a:p>
+            <a:pPr algn="ctr"/>
             <a:r>
-              <a:rPr lang="en-US" b="1" u="sng" dirty="0"/>
+              <a:rPr lang="en-US" sz="3700" b="1" u="sng" kern="1200">
+                <a:solidFill>
+                  <a:srgbClr val="FFFFFF"/>
+                </a:solidFill>
+                <a:latin typeface="+mj-lt"/>
+                <a:ea typeface="+mj-ea"/>
+                <a:cs typeface="+mj-cs"/>
+              </a:rPr>
               <a:t>Neighborhoods with Highest Current Land Bank Activity</a:t>
             </a:r>
             <a:br>
-              <a:rPr lang="en-US" b="1" u="sng" dirty="0"/>
+              <a:rPr lang="en-US" sz="3700" b="1" u="sng" kern="1200">
+                <a:solidFill>
+                  <a:srgbClr val="FFFFFF"/>
+                </a:solidFill>
+                <a:latin typeface="+mj-lt"/>
+                <a:ea typeface="+mj-ea"/>
+                <a:cs typeface="+mj-cs"/>
+              </a:rPr>
             </a:br>
-            <a:endParaRPr lang="en-US" dirty="0"/>
+            <a:endParaRPr lang="en-US" sz="3700" kern="1200">
+              <a:solidFill>
+                <a:srgbClr val="FFFFFF"/>
+              </a:solidFill>
+              <a:latin typeface="+mj-lt"/>
+              <a:ea typeface="+mj-ea"/>
+              <a:cs typeface="+mj-cs"/>
+            </a:endParaRPr>
           </a:p>
         </p:txBody>
       </p:sp>
+      <p:cxnSp>
+        <p:nvCxnSpPr>
+          <p:cNvPr id="11" name="Straight Connector 10">
+            <a:extLst>
+              <a:ext uri="{FF2B5EF4-FFF2-40B4-BE49-F238E27FC236}">
+                <a16:creationId xmlns:a16="http://schemas.microsoft.com/office/drawing/2014/main" id="{38FB9660-F42F-4313-BBC4-47C007FE484C}"/>
+              </a:ext>
+              <a:ext uri="{C183D7F6-B498-43B3-948B-1728B52AA6E4}">
+                <adec:decorative xmlns:adec="http://schemas.microsoft.com/office/drawing/2017/decorative" val="1"/>
+              </a:ext>
+            </a:extLst>
+          </p:cNvPr>
+          <p:cNvCxnSpPr>
+            <a:cxnSpLocks noGrp="1" noRot="1" noChangeAspect="1" noMove="1" noResize="1" noEditPoints="1" noAdjustHandles="1" noChangeArrowheads="1" noChangeShapeType="1"/>
+          </p:cNvCxnSpPr>
+          <p:nvPr>
+            <p:extLst>
+              <p:ext uri="{386F3935-93C4-4BCD-93E2-E3B085C9AB24}">
+                <p16:designElem xmlns:p16="http://schemas.microsoft.com/office/powerpoint/2015/main" val="1"/>
+              </p:ext>
+            </p:extLst>
+          </p:nvPr>
+        </p:nvCxnSpPr>
+        <p:spPr>
+          <a:xfrm>
+            <a:off x="1191126" y="3910267"/>
+            <a:ext cx="2586790" cy="0"/>
+          </a:xfrm>
+          <a:prstGeom prst="line">
+            <a:avLst/>
+          </a:prstGeom>
+          <a:ln w="22225">
+            <a:solidFill>
+              <a:srgbClr val="D9D9D9"/>
+            </a:solidFill>
+          </a:ln>
+        </p:spPr>
+        <p:style>
+          <a:lnRef idx="1">
+            <a:schemeClr val="accent1"/>
+          </a:lnRef>
+          <a:fillRef idx="0">
+            <a:schemeClr val="accent1"/>
+          </a:fillRef>
+          <a:effectRef idx="0">
+            <a:schemeClr val="accent1"/>
+          </a:effectRef>
+          <a:fontRef idx="minor">
+            <a:schemeClr val="tx1"/>
+          </a:fontRef>
+        </p:style>
+      </p:cxnSp>
       <p:pic>
         <p:nvPicPr>
           <p:cNvPr id="4" name="Content Placeholder 3">
@@ -16212,8 +17208,8 @@
         </p:blipFill>
         <p:spPr>
           <a:xfrm>
-            <a:off x="3195108" y="1825625"/>
-            <a:ext cx="5801784" cy="4351338"/>
+            <a:off x="5153822" y="975392"/>
+            <a:ext cx="6553545" cy="4915158"/>
           </a:xfrm>
           <a:prstGeom prst="rect">
             <a:avLst/>
@@ -16236,6 +17232,14 @@
 <file path=ppt/slides/slide9.xml><?xml version="1.0" encoding="utf-8"?>
 <p:sld xmlns:a="http://schemas.openxmlformats.org/drawingml/2006/main" xmlns:r="http://schemas.openxmlformats.org/officeDocument/2006/relationships" xmlns:p="http://schemas.openxmlformats.org/presentationml/2006/main">
   <p:cSld>
+    <p:bg>
+      <p:bgPr>
+        <a:solidFill>
+          <a:schemeClr val="bg1"/>
+        </a:solidFill>
+        <a:effectLst/>
+      </p:bgPr>
+    </p:bg>
     <p:spTree>
       <p:nvGrpSpPr>
         <p:cNvPr id="1" name=""/>
@@ -16252,6 +17256,75 @@
       </p:grpSpPr>
       <p:sp>
         <p:nvSpPr>
+          <p:cNvPr id="9" name="Rectangle 8">
+            <a:extLst>
+              <a:ext uri="{FF2B5EF4-FFF2-40B4-BE49-F238E27FC236}">
+                <a16:creationId xmlns:a16="http://schemas.microsoft.com/office/drawing/2014/main" id="{AB45A142-4255-493C-8284-5D566C121B10}"/>
+              </a:ext>
+              <a:ext uri="{C183D7F6-B498-43B3-948B-1728B52AA6E4}">
+                <adec:decorative xmlns:adec="http://schemas.microsoft.com/office/drawing/2017/decorative" val="1"/>
+              </a:ext>
+            </a:extLst>
+          </p:cNvPr>
+          <p:cNvSpPr>
+            <a:spLocks noGrp="1" noRot="1" noChangeAspect="1" noMove="1" noResize="1" noEditPoints="1" noAdjustHandles="1" noChangeArrowheads="1" noChangeShapeType="1" noTextEdit="1"/>
+          </p:cNvSpPr>
+          <p:nvPr>
+            <p:extLst>
+              <p:ext uri="{386F3935-93C4-4BCD-93E2-E3B085C9AB24}">
+                <p16:designElem xmlns:p16="http://schemas.microsoft.com/office/powerpoint/2015/main" val="1"/>
+              </p:ext>
+            </p:extLst>
+          </p:nvPr>
+        </p:nvSpPr>
+        <p:spPr bwMode="ltGray">
+          <a:xfrm>
+            <a:off x="336884" y="321177"/>
+            <a:ext cx="4332307" cy="6179552"/>
+          </a:xfrm>
+          <a:prstGeom prst="rect">
+            <a:avLst/>
+          </a:prstGeom>
+          <a:solidFill>
+            <a:srgbClr val="404040">
+              <a:alpha val="89804"/>
+            </a:srgbClr>
+          </a:solidFill>
+          <a:ln w="127000" cap="sq" cmpd="thinThick">
+            <a:solidFill>
+              <a:srgbClr val="595959">
+                <a:alpha val="80000"/>
+              </a:srgbClr>
+            </a:solidFill>
+          </a:ln>
+        </p:spPr>
+        <p:style>
+          <a:lnRef idx="2">
+            <a:schemeClr val="accent1">
+              <a:shade val="50000"/>
+            </a:schemeClr>
+          </a:lnRef>
+          <a:fillRef idx="1">
+            <a:schemeClr val="accent1"/>
+          </a:fillRef>
+          <a:effectRef idx="0">
+            <a:schemeClr val="accent1"/>
+          </a:effectRef>
+          <a:fontRef idx="minor">
+            <a:schemeClr val="lt1"/>
+          </a:fontRef>
+        </p:style>
+        <p:txBody>
+          <a:bodyPr rtlCol="0" anchor="ctr"/>
+          <a:lstStyle/>
+          <a:p>
+            <a:pPr algn="ctr"/>
+            <a:endParaRPr lang="en-US"/>
+          </a:p>
+        </p:txBody>
+      </p:sp>
+      <p:sp>
+        <p:nvSpPr>
           <p:cNvPr id="2" name="Title 1">
             <a:extLst>
               <a:ext uri="{FF2B5EF4-FFF2-40B4-BE49-F238E27FC236}">
@@ -16266,19 +17339,93 @@
             <p:ph type="title"/>
           </p:nvPr>
         </p:nvSpPr>
-        <p:spPr/>
+        <p:spPr>
+          <a:xfrm>
+            <a:off x="674237" y="914400"/>
+            <a:ext cx="3657600" cy="2887579"/>
+          </a:xfrm>
+        </p:spPr>
         <p:txBody>
-          <a:bodyPr/>
+          <a:bodyPr vert="horz" lIns="91440" tIns="45720" rIns="91440" bIns="45720" rtlCol="0" anchor="b">
+            <a:normAutofit/>
+          </a:bodyPr>
           <a:lstStyle/>
           <a:p>
+            <a:pPr algn="ctr"/>
             <a:r>
-              <a:rPr lang="en-US" b="1" u="sng" dirty="0"/>
+              <a:rPr lang="en-US" b="1" u="sng" kern="1200">
+                <a:solidFill>
+                  <a:srgbClr val="FFFFFF"/>
+                </a:solidFill>
+                <a:latin typeface="+mj-lt"/>
+                <a:ea typeface="+mj-ea"/>
+                <a:cs typeface="+mj-cs"/>
+              </a:rPr>
               <a:t>Neighborhoods with Lowest Current Land Bank Activity</a:t>
             </a:r>
-            <a:endParaRPr lang="en-US" dirty="0"/>
+            <a:endParaRPr lang="en-US" kern="1200">
+              <a:solidFill>
+                <a:srgbClr val="FFFFFF"/>
+              </a:solidFill>
+              <a:latin typeface="+mj-lt"/>
+              <a:ea typeface="+mj-ea"/>
+              <a:cs typeface="+mj-cs"/>
+            </a:endParaRPr>
           </a:p>
         </p:txBody>
       </p:sp>
+      <p:cxnSp>
+        <p:nvCxnSpPr>
+          <p:cNvPr id="11" name="Straight Connector 10">
+            <a:extLst>
+              <a:ext uri="{FF2B5EF4-FFF2-40B4-BE49-F238E27FC236}">
+                <a16:creationId xmlns:a16="http://schemas.microsoft.com/office/drawing/2014/main" id="{38FB9660-F42F-4313-BBC4-47C007FE484C}"/>
+              </a:ext>
+              <a:ext uri="{C183D7F6-B498-43B3-948B-1728B52AA6E4}">
+                <adec:decorative xmlns:adec="http://schemas.microsoft.com/office/drawing/2017/decorative" val="1"/>
+              </a:ext>
+            </a:extLst>
+          </p:cNvPr>
+          <p:cNvCxnSpPr>
+            <a:cxnSpLocks noGrp="1" noRot="1" noChangeAspect="1" noMove="1" noResize="1" noEditPoints="1" noAdjustHandles="1" noChangeArrowheads="1" noChangeShapeType="1"/>
+          </p:cNvCxnSpPr>
+          <p:nvPr>
+            <p:extLst>
+              <p:ext uri="{386F3935-93C4-4BCD-93E2-E3B085C9AB24}">
+                <p16:designElem xmlns:p16="http://schemas.microsoft.com/office/powerpoint/2015/main" val="1"/>
+              </p:ext>
+            </p:extLst>
+          </p:nvPr>
+        </p:nvCxnSpPr>
+        <p:spPr>
+          <a:xfrm>
+            <a:off x="1191126" y="3910267"/>
+            <a:ext cx="2586790" cy="0"/>
+          </a:xfrm>
+          <a:prstGeom prst="line">
+            <a:avLst/>
+          </a:prstGeom>
+          <a:ln w="22225">
+            <a:solidFill>
+              <a:srgbClr val="D9D9D9"/>
+            </a:solidFill>
+          </a:ln>
+        </p:spPr>
+        <p:style>
+          <a:lnRef idx="1">
+            <a:schemeClr val="accent1"/>
+          </a:lnRef>
+          <a:fillRef idx="0">
+            <a:schemeClr val="accent1"/>
+          </a:fillRef>
+          <a:effectRef idx="0">
+            <a:schemeClr val="accent1"/>
+          </a:effectRef>
+          <a:fontRef idx="minor">
+            <a:schemeClr val="tx1"/>
+          </a:fontRef>
+        </p:style>
+      </p:cxnSp>
       <p:pic>
         <p:nvPicPr>
           <p:cNvPr id="4" name="Content Placeholder 3">
@@ -16309,8 +17456,8 @@
         </p:blipFill>
         <p:spPr>
           <a:xfrm>
-            <a:off x="3920331" y="1825625"/>
-            <a:ext cx="4351338" cy="4351338"/>
+            <a:off x="5490196" y="492573"/>
+            <a:ext cx="5880796" cy="5880796"/>
           </a:xfrm>
           <a:prstGeom prst="rect">
             <a:avLst/>

--- a/Group 2.pptx
+++ b/Group 2.pptx
@@ -11,19 +11,18 @@
     <p:sldId id="259" r:id="rId5"/>
     <p:sldId id="260" r:id="rId6"/>
     <p:sldId id="261" r:id="rId7"/>
-    <p:sldId id="265" r:id="rId8"/>
+    <p:sldId id="273" r:id="rId8"/>
     <p:sldId id="267" r:id="rId9"/>
-    <p:sldId id="266" r:id="rId10"/>
-    <p:sldId id="273" r:id="rId11"/>
+    <p:sldId id="275" r:id="rId10"/>
+    <p:sldId id="265" r:id="rId11"/>
     <p:sldId id="274" r:id="rId12"/>
     <p:sldId id="268" r:id="rId13"/>
     <p:sldId id="269" r:id="rId14"/>
     <p:sldId id="270" r:id="rId15"/>
     <p:sldId id="271" r:id="rId16"/>
     <p:sldId id="272" r:id="rId17"/>
-    <p:sldId id="262" r:id="rId18"/>
-    <p:sldId id="263" r:id="rId19"/>
-    <p:sldId id="264" r:id="rId20"/>
+    <p:sldId id="263" r:id="rId18"/>
+    <p:sldId id="264" r:id="rId19"/>
   </p:sldIdLst>
   <p:sldSz cx="12192000" cy="6858000"/>
   <p:notesSz cx="6858000" cy="9144000"/>
@@ -3464,10 +3463,10 @@
     <dgm:cxn modelId="{5467CF03-7945-4960-BEB6-57A35B735F6E}" type="presOf" srcId="{6CED77DC-48BF-4CA8-A19E-400B45D0B08F}" destId="{ADA36004-DE77-4FC8-B937-9A12FFCDC30D}" srcOrd="0" destOrd="0" presId="urn:microsoft.com/office/officeart/2018/2/layout/IconVerticalSolidList"/>
     <dgm:cxn modelId="{ECC56B17-F9B9-4A62-A348-BD16A37600C5}" type="presOf" srcId="{CF0AD4E7-8E46-4074-85D6-9B4CC1307911}" destId="{B9BDF0DB-9B76-4EC2-85CB-F9E2E2C8D915}" srcOrd="0" destOrd="0" presId="urn:microsoft.com/office/officeart/2018/2/layout/IconVerticalSolidList"/>
     <dgm:cxn modelId="{F645913C-3B29-4CB6-8387-BDE1A8514C46}" srcId="{7AA6D8E3-E7DE-4829-B339-93972690DF59}" destId="{3CB621AE-20E9-4DC0-A1CD-CD7D88F0A0CF}" srcOrd="4" destOrd="0" parTransId="{1C29B1FD-C5F2-4307-8CCF-EBAF58C1345F}" sibTransId="{FDDA8331-442C-405C-B8B5-F9F0A403B5D6}"/>
+    <dgm:cxn modelId="{1D579144-E879-404B-AC6D-27FE9CA06CB9}" type="presOf" srcId="{3602A256-4B18-4F9A-8151-56D34E6B13A4}" destId="{58B61A42-5E88-46F6-BF17-7C3727AF6E8D}" srcOrd="0" destOrd="0" presId="urn:microsoft.com/office/officeart/2018/2/layout/IconVerticalSolidList"/>
+    <dgm:cxn modelId="{2B074A54-2F04-40CB-803B-2A8C396F0B50}" srcId="{7AA6D8E3-E7DE-4829-B339-93972690DF59}" destId="{F886E11F-E53C-4709-B2E6-4C159B08F449}" srcOrd="6" destOrd="0" parTransId="{DEB449A2-7A67-4C31-BB56-DB62A46D40C8}" sibTransId="{7EC5592C-8E72-4EC5-82ED-A6C819021230}"/>
     <dgm:cxn modelId="{B24EEF61-8D2E-4333-84AF-2469BB74184F}" srcId="{7AA6D8E3-E7DE-4829-B339-93972690DF59}" destId="{B7A95A29-BE32-4B45-BA14-2A20BE441298}" srcOrd="5" destOrd="0" parTransId="{769770E4-E31F-4F1D-89AB-679B96841F30}" sibTransId="{EA46BF1E-5593-453A-BFC6-86C2D2AEF1FE}"/>
-    <dgm:cxn modelId="{1D579144-E879-404B-AC6D-27FE9CA06CB9}" type="presOf" srcId="{3602A256-4B18-4F9A-8151-56D34E6B13A4}" destId="{58B61A42-5E88-46F6-BF17-7C3727AF6E8D}" srcOrd="0" destOrd="0" presId="urn:microsoft.com/office/officeart/2018/2/layout/IconVerticalSolidList"/>
     <dgm:cxn modelId="{F1CBAE72-072C-47A8-B68D-0645337E989B}" type="presOf" srcId="{F886E11F-E53C-4709-B2E6-4C159B08F449}" destId="{4EC65E66-D056-48AB-9062-A69FAE00178F}" srcOrd="0" destOrd="0" presId="urn:microsoft.com/office/officeart/2018/2/layout/IconVerticalSolidList"/>
-    <dgm:cxn modelId="{2B074A54-2F04-40CB-803B-2A8C396F0B50}" srcId="{7AA6D8E3-E7DE-4829-B339-93972690DF59}" destId="{F886E11F-E53C-4709-B2E6-4C159B08F449}" srcOrd="6" destOrd="0" parTransId="{DEB449A2-7A67-4C31-BB56-DB62A46D40C8}" sibTransId="{7EC5592C-8E72-4EC5-82ED-A6C819021230}"/>
     <dgm:cxn modelId="{7075A989-9B60-4DD8-AB3A-F768FA8DB53A}" type="presOf" srcId="{13624DC8-4CC2-453A-9531-C4B645ECB8AF}" destId="{5B51C18F-BFBF-49F3-873A-D0856AC3F360}" srcOrd="0" destOrd="0" presId="urn:microsoft.com/office/officeart/2018/2/layout/IconVerticalSolidList"/>
     <dgm:cxn modelId="{41BF909B-4ED3-436A-95BE-444CC0B5FD22}" srcId="{7AA6D8E3-E7DE-4829-B339-93972690DF59}" destId="{13624DC8-4CC2-453A-9531-C4B645ECB8AF}" srcOrd="0" destOrd="0" parTransId="{46F4633A-1CC5-4573-A2FB-3D785FD5D009}" sibTransId="{5155E141-71CD-4FE9-BFB0-3876F3130016}"/>
     <dgm:cxn modelId="{9F26039D-74B4-48C8-BC1B-8F95F1BD42EB}" srcId="{7AA6D8E3-E7DE-4829-B339-93972690DF59}" destId="{3602A256-4B18-4F9A-8151-56D34E6B13A4}" srcOrd="1" destOrd="0" parTransId="{D8C89B39-AAB0-4583-AD86-84F7C424312A}" sibTransId="{D27DD385-8578-4852-BEAD-B2DC68AD7BD7}"/>
@@ -9405,7 +9404,7 @@
           <a:p>
             <a:fld id="{90DF4474-C2BF-4D6F-8281-6AA05E169FF7}" type="datetimeFigureOut">
               <a:rPr lang="en-US" smtClean="0"/>
-              <a:t>6/26/2019</a:t>
+              <a:t>6/26/19</a:t>
             </a:fld>
             <a:endParaRPr lang="en-US"/>
           </a:p>
@@ -9603,7 +9602,7 @@
           <a:p>
             <a:fld id="{90DF4474-C2BF-4D6F-8281-6AA05E169FF7}" type="datetimeFigureOut">
               <a:rPr lang="en-US" smtClean="0"/>
-              <a:t>6/26/2019</a:t>
+              <a:t>6/26/19</a:t>
             </a:fld>
             <a:endParaRPr lang="en-US"/>
           </a:p>
@@ -9811,7 +9810,7 @@
           <a:p>
             <a:fld id="{90DF4474-C2BF-4D6F-8281-6AA05E169FF7}" type="datetimeFigureOut">
               <a:rPr lang="en-US" smtClean="0"/>
-              <a:t>6/26/2019</a:t>
+              <a:t>6/26/19</a:t>
             </a:fld>
             <a:endParaRPr lang="en-US"/>
           </a:p>
@@ -10009,7 +10008,7 @@
           <a:p>
             <a:fld id="{90DF4474-C2BF-4D6F-8281-6AA05E169FF7}" type="datetimeFigureOut">
               <a:rPr lang="en-US" smtClean="0"/>
-              <a:t>6/26/2019</a:t>
+              <a:t>6/26/19</a:t>
             </a:fld>
             <a:endParaRPr lang="en-US"/>
           </a:p>
@@ -10284,7 +10283,7 @@
           <a:p>
             <a:fld id="{90DF4474-C2BF-4D6F-8281-6AA05E169FF7}" type="datetimeFigureOut">
               <a:rPr lang="en-US" smtClean="0"/>
-              <a:t>6/26/2019</a:t>
+              <a:t>6/26/19</a:t>
             </a:fld>
             <a:endParaRPr lang="en-US"/>
           </a:p>
@@ -10549,7 +10548,7 @@
           <a:p>
             <a:fld id="{90DF4474-C2BF-4D6F-8281-6AA05E169FF7}" type="datetimeFigureOut">
               <a:rPr lang="en-US" smtClean="0"/>
-              <a:t>6/26/2019</a:t>
+              <a:t>6/26/19</a:t>
             </a:fld>
             <a:endParaRPr lang="en-US"/>
           </a:p>
@@ -10961,7 +10960,7 @@
           <a:p>
             <a:fld id="{90DF4474-C2BF-4D6F-8281-6AA05E169FF7}" type="datetimeFigureOut">
               <a:rPr lang="en-US" smtClean="0"/>
-              <a:t>6/26/2019</a:t>
+              <a:t>6/26/19</a:t>
             </a:fld>
             <a:endParaRPr lang="en-US"/>
           </a:p>
@@ -11102,7 +11101,7 @@
           <a:p>
             <a:fld id="{90DF4474-C2BF-4D6F-8281-6AA05E169FF7}" type="datetimeFigureOut">
               <a:rPr lang="en-US" smtClean="0"/>
-              <a:t>6/26/2019</a:t>
+              <a:t>6/26/19</a:t>
             </a:fld>
             <a:endParaRPr lang="en-US"/>
           </a:p>
@@ -11215,7 +11214,7 @@
           <a:p>
             <a:fld id="{90DF4474-C2BF-4D6F-8281-6AA05E169FF7}" type="datetimeFigureOut">
               <a:rPr lang="en-US" smtClean="0"/>
-              <a:t>6/26/2019</a:t>
+              <a:t>6/26/19</a:t>
             </a:fld>
             <a:endParaRPr lang="en-US"/>
           </a:p>
@@ -11526,7 +11525,7 @@
           <a:p>
             <a:fld id="{90DF4474-C2BF-4D6F-8281-6AA05E169FF7}" type="datetimeFigureOut">
               <a:rPr lang="en-US" smtClean="0"/>
-              <a:t>6/26/2019</a:t>
+              <a:t>6/26/19</a:t>
             </a:fld>
             <a:endParaRPr lang="en-US"/>
           </a:p>
@@ -11814,7 +11813,7 @@
           <a:p>
             <a:fld id="{90DF4474-C2BF-4D6F-8281-6AA05E169FF7}" type="datetimeFigureOut">
               <a:rPr lang="en-US" smtClean="0"/>
-              <a:t>6/26/2019</a:t>
+              <a:t>6/26/19</a:t>
             </a:fld>
             <a:endParaRPr lang="en-US"/>
           </a:p>
@@ -12055,7 +12054,7 @@
           <a:p>
             <a:fld id="{90DF4474-C2BF-4D6F-8281-6AA05E169FF7}" type="datetimeFigureOut">
               <a:rPr lang="en-US" smtClean="0"/>
-              <a:t>6/26/2019</a:t>
+              <a:t>6/26/19</a:t>
             </a:fld>
             <a:endParaRPr lang="en-US"/>
           </a:p>
@@ -13173,14 +13172,6 @@
 <file path=ppt/slides/slide10.xml><?xml version="1.0" encoding="utf-8"?>
 <p:sld xmlns:a="http://schemas.openxmlformats.org/drawingml/2006/main" xmlns:r="http://schemas.openxmlformats.org/officeDocument/2006/relationships" xmlns:p="http://schemas.openxmlformats.org/presentationml/2006/main">
   <p:cSld>
-    <p:bg>
-      <p:bgPr>
-        <a:solidFill>
-          <a:schemeClr val="bg1"/>
-        </a:solidFill>
-        <a:effectLst/>
-      </p:bgPr>
-    </p:bg>
     <p:spTree>
       <p:nvGrpSpPr>
         <p:cNvPr id="1" name=""/>
@@ -13197,144 +13188,69 @@
       </p:grpSpPr>
       <p:sp>
         <p:nvSpPr>
-          <p:cNvPr id="71" name="Rectangle 70">
+          <p:cNvPr id="2" name="Title 1">
             <a:extLst>
               <a:ext uri="{FF2B5EF4-FFF2-40B4-BE49-F238E27FC236}">
-                <a16:creationId xmlns:a16="http://schemas.microsoft.com/office/drawing/2014/main" id="{32BC26D8-82FB-445E-AA49-62A77D7C1EE0}"/>
-              </a:ext>
-              <a:ext uri="{C183D7F6-B498-43B3-948B-1728B52AA6E4}">
-                <adec:decorative xmlns:adec="http://schemas.microsoft.com/office/drawing/2017/decorative" val="1"/>
+                <a16:creationId xmlns:a16="http://schemas.microsoft.com/office/drawing/2014/main" id="{B3D68338-81DD-4BB5-A157-52E8809D5FEC}"/>
               </a:ext>
             </a:extLst>
           </p:cNvPr>
           <p:cNvSpPr>
-            <a:spLocks noGrp="1" noRot="1" noChangeAspect="1" noMove="1" noResize="1" noEditPoints="1" noAdjustHandles="1" noChangeArrowheads="1" noChangeShapeType="1" noTextEdit="1"/>
+            <a:spLocks noGrp="1"/>
           </p:cNvSpPr>
           <p:nvPr>
-            <p:extLst>
-              <p:ext uri="{386F3935-93C4-4BCD-93E2-E3B085C9AB24}">
-                <p16:designElem xmlns:p16="http://schemas.microsoft.com/office/powerpoint/2015/main" val="1"/>
-              </p:ext>
-            </p:extLst>
+            <p:ph type="title"/>
           </p:nvPr>
         </p:nvSpPr>
         <p:spPr>
           <a:xfrm>
-            <a:off x="0" y="0"/>
-            <a:ext cx="12192000" cy="6858000"/>
+            <a:off x="674237" y="914400"/>
+            <a:ext cx="3657600" cy="2887579"/>
           </a:xfrm>
-          <a:prstGeom prst="rect">
-            <a:avLst/>
-          </a:prstGeom>
-          <a:solidFill>
-            <a:schemeClr val="tx1">
-              <a:lumMod val="65000"/>
-              <a:lumOff val="35000"/>
-            </a:schemeClr>
-          </a:solidFill>
-          <a:ln>
-            <a:noFill/>
-          </a:ln>
         </p:spPr>
-        <p:style>
-          <a:lnRef idx="2">
-            <a:schemeClr val="accent1">
-              <a:shade val="50000"/>
-            </a:schemeClr>
-          </a:lnRef>
-          <a:fillRef idx="1">
-            <a:schemeClr val="accent1"/>
-          </a:fillRef>
-          <a:effectRef idx="0">
-            <a:schemeClr val="accent1"/>
-          </a:effectRef>
-          <a:fontRef idx="minor">
-            <a:schemeClr val="lt1"/>
-          </a:fontRef>
-        </p:style>
         <p:txBody>
-          <a:bodyPr rtlCol="0" anchor="ctr"/>
+          <a:bodyPr vert="horz" lIns="91440" tIns="45720" rIns="91440" bIns="45720" rtlCol="0" anchor="b">
+            <a:normAutofit/>
+          </a:bodyPr>
           <a:lstStyle/>
           <a:p>
             <a:pPr algn="ctr"/>
-            <a:endParaRPr lang="en-US"/>
-          </a:p>
-        </p:txBody>
-      </p:sp>
-      <p:sp>
-        <p:nvSpPr>
-          <p:cNvPr id="73" name="Rectangle 72">
-            <a:extLst>
-              <a:ext uri="{FF2B5EF4-FFF2-40B4-BE49-F238E27FC236}">
-                <a16:creationId xmlns:a16="http://schemas.microsoft.com/office/drawing/2014/main" id="{CB44330D-EA18-4254-AA95-EB49948539B8}"/>
-              </a:ext>
-              <a:ext uri="{C183D7F6-B498-43B3-948B-1728B52AA6E4}">
-                <adec:decorative xmlns:adec="http://schemas.microsoft.com/office/drawing/2017/decorative" val="1"/>
-              </a:ext>
-            </a:extLst>
-          </p:cNvPr>
-          <p:cNvSpPr>
-            <a:spLocks noGrp="1" noRot="1" noChangeAspect="1" noMove="1" noResize="1" noEditPoints="1" noAdjustHandles="1" noChangeArrowheads="1" noChangeShapeType="1" noTextEdit="1"/>
-          </p:cNvSpPr>
-          <p:nvPr>
-            <p:extLst>
-              <p:ext uri="{386F3935-93C4-4BCD-93E2-E3B085C9AB24}">
-                <p16:designElem xmlns:p16="http://schemas.microsoft.com/office/powerpoint/2015/main" val="1"/>
-              </p:ext>
-            </p:extLst>
-          </p:nvPr>
-        </p:nvSpPr>
-        <p:spPr>
-          <a:xfrm>
-            <a:off x="477012" y="480060"/>
-            <a:ext cx="11237976" cy="5897880"/>
-          </a:xfrm>
-          <a:prstGeom prst="rect">
-            <a:avLst/>
-          </a:prstGeom>
-          <a:solidFill>
-            <a:srgbClr val="FFFFFF"/>
-          </a:solidFill>
-          <a:ln>
-            <a:noFill/>
-          </a:ln>
-        </p:spPr>
-        <p:style>
-          <a:lnRef idx="2">
-            <a:schemeClr val="accent1">
-              <a:shade val="50000"/>
-            </a:schemeClr>
-          </a:lnRef>
-          <a:fillRef idx="1">
-            <a:schemeClr val="accent1"/>
-          </a:fillRef>
-          <a:effectRef idx="0">
-            <a:schemeClr val="accent1"/>
-          </a:effectRef>
-          <a:fontRef idx="minor">
-            <a:schemeClr val="lt1"/>
-          </a:fontRef>
-        </p:style>
-        <p:txBody>
-          <a:bodyPr rtlCol="0" anchor="ctr"/>
-          <a:lstStyle/>
-          <a:p>
-            <a:pPr algn="ctr"/>
-            <a:endParaRPr lang="en-US"/>
+            <a:r>
+              <a:rPr lang="en-US" sz="4800" b="1" u="sng" kern="1200" dirty="0" err="1">
+                <a:solidFill>
+                  <a:srgbClr val="FFFFFF"/>
+                </a:solidFill>
+                <a:latin typeface="+mj-lt"/>
+                <a:ea typeface="+mj-ea"/>
+                <a:cs typeface="+mj-cs"/>
+              </a:rPr>
+              <a:t>Neighborhods</a:t>
+            </a:r>
+            <a:r>
+              <a:rPr lang="en-US" sz="4800" b="1" u="sng" kern="1200" dirty="0">
+                <a:solidFill>
+                  <a:srgbClr val="FFFFFF"/>
+                </a:solidFill>
+                <a:latin typeface="+mj-lt"/>
+                <a:ea typeface="+mj-ea"/>
+                <a:cs typeface="+mj-cs"/>
+              </a:rPr>
+              <a:t> with  Highest Current Land Bank Activity</a:t>
+            </a:r>
           </a:p>
         </p:txBody>
       </p:sp>
       <p:pic>
         <p:nvPicPr>
-          <p:cNvPr id="1026" name="Picture 2" descr="MedianPrice.png">
+          <p:cNvPr id="4" name="Content Placeholder 3">
             <a:extLst>
               <a:ext uri="{FF2B5EF4-FFF2-40B4-BE49-F238E27FC236}">
-                <a16:creationId xmlns:a16="http://schemas.microsoft.com/office/drawing/2014/main" id="{0850FC04-240A-4F81-9A0E-8CE616421D6A}"/>
+                <a16:creationId xmlns:a16="http://schemas.microsoft.com/office/drawing/2014/main" id="{51535EF5-0CEF-4B79-A511-40E41B8167DB}"/>
               </a:ext>
             </a:extLst>
           </p:cNvPr>
           <p:cNvPicPr>
-            <a:picLocks noGrp="1" noChangeAspect="1" noChangeArrowheads="1"/>
+            <a:picLocks noGrp="1" noChangeAspect="1"/>
           </p:cNvPicPr>
           <p:nvPr>
             <p:ph idx="1"/>
@@ -13352,30 +13268,20 @@
             <a:fillRect/>
           </a:stretch>
         </p:blipFill>
-        <p:spPr bwMode="auto">
+        <p:spPr>
           <a:xfrm>
-            <a:off x="1639148" y="643467"/>
-            <a:ext cx="8913703" cy="5571066"/>
+            <a:off x="5153822" y="975392"/>
+            <a:ext cx="6553545" cy="4915158"/>
           </a:xfrm>
           <a:prstGeom prst="rect">
             <a:avLst/>
           </a:prstGeom>
-          <a:noFill/>
-          <a:extLst>
-            <a:ext uri="{909E8E84-426E-40DD-AFC4-6F175D3DCCD1}">
-              <a14:hiddenFill xmlns:a14="http://schemas.microsoft.com/office/drawing/2010/main">
-                <a:solidFill>
-                  <a:srgbClr val="FFFFFF"/>
-                </a:solidFill>
-              </a14:hiddenFill>
-            </a:ext>
-          </a:extLst>
         </p:spPr>
       </p:pic>
     </p:spTree>
     <p:extLst>
       <p:ext uri="{BB962C8B-B14F-4D97-AF65-F5344CB8AC3E}">
-        <p14:creationId xmlns:p14="http://schemas.microsoft.com/office/powerpoint/2010/main" val="3896081587"/>
+        <p14:creationId xmlns:p14="http://schemas.microsoft.com/office/powerpoint/2010/main" val="1882748622"/>
       </p:ext>
     </p:extLst>
   </p:cSld>
@@ -14342,10 +14248,10 @@
       </p:sp>
       <p:pic>
         <p:nvPicPr>
-          <p:cNvPr id="7" name="Picture 6">
+          <p:cNvPr id="5" name="Picture 4">
             <a:extLst>
               <a:ext uri="{FF2B5EF4-FFF2-40B4-BE49-F238E27FC236}">
-                <a16:creationId xmlns:a16="http://schemas.microsoft.com/office/drawing/2014/main" id="{4C1E643C-0FE1-F249-829C-0C59C4585186}"/>
+                <a16:creationId xmlns:a16="http://schemas.microsoft.com/office/drawing/2014/main" id="{F7FC4A4C-23C9-024D-B6DF-C4CE7AF83E81}"/>
               </a:ext>
             </a:extLst>
           </p:cNvPr>
@@ -14354,15 +14260,16 @@
           </p:cNvPicPr>
           <p:nvPr/>
         </p:nvPicPr>
-        <p:blipFill rotWithShape="1">
+        <p:blipFill>
           <a:blip r:embed="rId2"/>
-          <a:srcRect r="-1" b="15624"/>
-          <a:stretch/>
+          <a:stretch>
+            <a:fillRect/>
+          </a:stretch>
         </p:blipFill>
         <p:spPr>
           <a:xfrm>
-            <a:off x="1143950" y="643467"/>
-            <a:ext cx="9904099" cy="5571066"/>
+            <a:off x="1485339" y="480060"/>
+            <a:ext cx="8888942" cy="5925960"/>
           </a:xfrm>
           <a:prstGeom prst="rect">
             <a:avLst/>
@@ -15214,11 +15121,14 @@
           </a:bodyPr>
           <a:lstStyle/>
           <a:p>
-            <a:endParaRPr lang="en-US">
-              <a:solidFill>
-                <a:srgbClr val="FFFFFF"/>
-              </a:solidFill>
-            </a:endParaRPr>
+            <a:r>
+              <a:rPr lang="en-US" dirty="0">
+                <a:solidFill>
+                  <a:srgbClr val="FFFFFF"/>
+                </a:solidFill>
+              </a:rPr>
+              <a:t>Data Methodology</a:t>
+            </a:r>
           </a:p>
         </p:txBody>
       </p:sp>
@@ -15508,7 +15418,7 @@
           <p:cNvPr id="2" name="Title 1">
             <a:extLst>
               <a:ext uri="{FF2B5EF4-FFF2-40B4-BE49-F238E27FC236}">
-                <a16:creationId xmlns:a16="http://schemas.microsoft.com/office/drawing/2014/main" id="{42787BBA-435C-45BF-B44D-BFFF1197754F}"/>
+                <a16:creationId xmlns:a16="http://schemas.microsoft.com/office/drawing/2014/main" id="{91D39F01-FA33-4BF7-B2E9-7A0002288CF9}"/>
               </a:ext>
             </a:extLst>
           </p:cNvPr>
@@ -15522,131 +15432,238 @@
         <p:spPr/>
         <p:txBody>
           <a:bodyPr>
-            <a:normAutofit fontScale="90000"/>
+            <a:normAutofit/>
           </a:bodyPr>
           <a:lstStyle/>
           <a:p>
             <a:r>
               <a:rPr lang="en-US" dirty="0"/>
-              <a:t>Summarize your conclusions.  This should include a numerical summary(i.e., what data did your analysis yield), as well as visualizations of that summary (plots of the final analysis data)</a:t>
+              <a:t>Conclusion</a:t>
             </a:r>
           </a:p>
         </p:txBody>
       </p:sp>
       <p:sp>
         <p:nvSpPr>
-          <p:cNvPr id="3" name="Content Placeholder 2">
+          <p:cNvPr id="5" name="Content Placeholder 2">
             <a:extLst>
               <a:ext uri="{FF2B5EF4-FFF2-40B4-BE49-F238E27FC236}">
-                <a16:creationId xmlns:a16="http://schemas.microsoft.com/office/drawing/2014/main" id="{834CB212-E1B6-4FDF-960E-01E870201C6A}"/>
+                <a16:creationId xmlns:a16="http://schemas.microsoft.com/office/drawing/2014/main" id="{EADF8F16-F1BD-1945-9D17-C4351C82AB10}"/>
               </a:ext>
             </a:extLst>
           </p:cNvPr>
-          <p:cNvSpPr>
-            <a:spLocks noGrp="1"/>
+          <p:cNvSpPr txBox="1">
+            <a:spLocks/>
           </p:cNvSpPr>
-          <p:nvPr>
-            <p:ph idx="1"/>
-          </p:nvPr>
+          <p:nvPr/>
         </p:nvSpPr>
         <p:spPr>
           <a:xfrm>
-            <a:off x="838200" y="2141537"/>
+            <a:off x="990600" y="1978025"/>
             <a:ext cx="10515600" cy="4351338"/>
           </a:xfrm>
+          <a:prstGeom prst="rect">
+            <a:avLst/>
+          </a:prstGeom>
         </p:spPr>
         <p:txBody>
-          <a:bodyPr/>
-          <a:lstStyle/>
-          <a:p>
-            <a:endParaRPr lang="en-US" dirty="0"/>
-          </a:p>
-        </p:txBody>
-      </p:sp>
-    </p:spTree>
-    <p:extLst>
-      <p:ext uri="{BB962C8B-B14F-4D97-AF65-F5344CB8AC3E}">
-        <p14:creationId xmlns:p14="http://schemas.microsoft.com/office/powerpoint/2010/main" val="3601152969"/>
-      </p:ext>
-    </p:extLst>
-  </p:cSld>
-  <p:clrMapOvr>
-    <a:masterClrMapping/>
-  </p:clrMapOvr>
-</p:sld>
-</file>
-
-<file path=ppt/slides/slide18.xml><?xml version="1.0" encoding="utf-8"?>
-<p:sld xmlns:a="http://schemas.openxmlformats.org/drawingml/2006/main" xmlns:r="http://schemas.openxmlformats.org/officeDocument/2006/relationships" xmlns:p="http://schemas.openxmlformats.org/presentationml/2006/main">
-  <p:cSld>
-    <p:spTree>
-      <p:nvGrpSpPr>
-        <p:cNvPr id="1" name=""/>
-        <p:cNvGrpSpPr/>
-        <p:nvPr/>
-      </p:nvGrpSpPr>
-      <p:grpSpPr>
-        <a:xfrm>
-          <a:off x="0" y="0"/>
-          <a:ext cx="0" cy="0"/>
-          <a:chOff x="0" y="0"/>
-          <a:chExt cx="0" cy="0"/>
-        </a:xfrm>
-      </p:grpSpPr>
-      <p:sp>
-        <p:nvSpPr>
-          <p:cNvPr id="2" name="Title 1">
-            <a:extLst>
-              <a:ext uri="{FF2B5EF4-FFF2-40B4-BE49-F238E27FC236}">
-                <a16:creationId xmlns:a16="http://schemas.microsoft.com/office/drawing/2014/main" id="{91D39F01-FA33-4BF7-B2E9-7A0002288CF9}"/>
-              </a:ext>
-            </a:extLst>
-          </p:cNvPr>
-          <p:cNvSpPr>
-            <a:spLocks noGrp="1"/>
-          </p:cNvSpPr>
-          <p:nvPr>
-            <p:ph type="title"/>
-          </p:nvPr>
-        </p:nvSpPr>
-        <p:spPr/>
-        <p:txBody>
-          <a:bodyPr>
-            <a:normAutofit fontScale="90000"/>
+          <a:bodyPr vert="horz" lIns="91440" tIns="45720" rIns="91440" bIns="45720" rtlCol="0">
+            <a:normAutofit/>
           </a:bodyPr>
-          <a:lstStyle/>
+          <a:lstStyle>
+            <a:lvl1pPr marL="228600" indent="-228600" algn="l" defTabSz="914400" rtl="0" eaLnBrk="1" latinLnBrk="0" hangingPunct="1">
+              <a:lnSpc>
+                <a:spcPct val="90000"/>
+              </a:lnSpc>
+              <a:spcBef>
+                <a:spcPts val="1000"/>
+              </a:spcBef>
+              <a:buFont typeface="Arial" panose="020B0604020202020204" pitchFamily="34" charset="0"/>
+              <a:buChar char="•"/>
+              <a:defRPr sz="2800" kern="1200">
+                <a:solidFill>
+                  <a:schemeClr val="tx1"/>
+                </a:solidFill>
+                <a:latin typeface="+mn-lt"/>
+                <a:ea typeface="+mn-ea"/>
+                <a:cs typeface="+mn-cs"/>
+              </a:defRPr>
+            </a:lvl1pPr>
+            <a:lvl2pPr marL="685800" indent="-228600" algn="l" defTabSz="914400" rtl="0" eaLnBrk="1" latinLnBrk="0" hangingPunct="1">
+              <a:lnSpc>
+                <a:spcPct val="90000"/>
+              </a:lnSpc>
+              <a:spcBef>
+                <a:spcPts val="500"/>
+              </a:spcBef>
+              <a:buFont typeface="Arial" panose="020B0604020202020204" pitchFamily="34" charset="0"/>
+              <a:buChar char="•"/>
+              <a:defRPr sz="2400" kern="1200">
+                <a:solidFill>
+                  <a:schemeClr val="tx1"/>
+                </a:solidFill>
+                <a:latin typeface="+mn-lt"/>
+                <a:ea typeface="+mn-ea"/>
+                <a:cs typeface="+mn-cs"/>
+              </a:defRPr>
+            </a:lvl2pPr>
+            <a:lvl3pPr marL="1143000" indent="-228600" algn="l" defTabSz="914400" rtl="0" eaLnBrk="1" latinLnBrk="0" hangingPunct="1">
+              <a:lnSpc>
+                <a:spcPct val="90000"/>
+              </a:lnSpc>
+              <a:spcBef>
+                <a:spcPts val="500"/>
+              </a:spcBef>
+              <a:buFont typeface="Arial" panose="020B0604020202020204" pitchFamily="34" charset="0"/>
+              <a:buChar char="•"/>
+              <a:defRPr sz="2000" kern="1200">
+                <a:solidFill>
+                  <a:schemeClr val="tx1"/>
+                </a:solidFill>
+                <a:latin typeface="+mn-lt"/>
+                <a:ea typeface="+mn-ea"/>
+                <a:cs typeface="+mn-cs"/>
+              </a:defRPr>
+            </a:lvl3pPr>
+            <a:lvl4pPr marL="1600200" indent="-228600" algn="l" defTabSz="914400" rtl="0" eaLnBrk="1" latinLnBrk="0" hangingPunct="1">
+              <a:lnSpc>
+                <a:spcPct val="90000"/>
+              </a:lnSpc>
+              <a:spcBef>
+                <a:spcPts val="500"/>
+              </a:spcBef>
+              <a:buFont typeface="Arial" panose="020B0604020202020204" pitchFamily="34" charset="0"/>
+              <a:buChar char="•"/>
+              <a:defRPr sz="1800" kern="1200">
+                <a:solidFill>
+                  <a:schemeClr val="tx1"/>
+                </a:solidFill>
+                <a:latin typeface="+mn-lt"/>
+                <a:ea typeface="+mn-ea"/>
+                <a:cs typeface="+mn-cs"/>
+              </a:defRPr>
+            </a:lvl4pPr>
+            <a:lvl5pPr marL="2057400" indent="-228600" algn="l" defTabSz="914400" rtl="0" eaLnBrk="1" latinLnBrk="0" hangingPunct="1">
+              <a:lnSpc>
+                <a:spcPct val="90000"/>
+              </a:lnSpc>
+              <a:spcBef>
+                <a:spcPts val="500"/>
+              </a:spcBef>
+              <a:buFont typeface="Arial" panose="020B0604020202020204" pitchFamily="34" charset="0"/>
+              <a:buChar char="•"/>
+              <a:defRPr sz="1800" kern="1200">
+                <a:solidFill>
+                  <a:schemeClr val="tx1"/>
+                </a:solidFill>
+                <a:latin typeface="+mn-lt"/>
+                <a:ea typeface="+mn-ea"/>
+                <a:cs typeface="+mn-cs"/>
+              </a:defRPr>
+            </a:lvl5pPr>
+            <a:lvl6pPr marL="2514600" indent="-228600" algn="l" defTabSz="914400" rtl="0" eaLnBrk="1" latinLnBrk="0" hangingPunct="1">
+              <a:lnSpc>
+                <a:spcPct val="90000"/>
+              </a:lnSpc>
+              <a:spcBef>
+                <a:spcPts val="500"/>
+              </a:spcBef>
+              <a:buFont typeface="Arial" panose="020B0604020202020204" pitchFamily="34" charset="0"/>
+              <a:buChar char="•"/>
+              <a:defRPr sz="1800" kern="1200">
+                <a:solidFill>
+                  <a:schemeClr val="tx1"/>
+                </a:solidFill>
+                <a:latin typeface="+mn-lt"/>
+                <a:ea typeface="+mn-ea"/>
+                <a:cs typeface="+mn-cs"/>
+              </a:defRPr>
+            </a:lvl6pPr>
+            <a:lvl7pPr marL="2971800" indent="-228600" algn="l" defTabSz="914400" rtl="0" eaLnBrk="1" latinLnBrk="0" hangingPunct="1">
+              <a:lnSpc>
+                <a:spcPct val="90000"/>
+              </a:lnSpc>
+              <a:spcBef>
+                <a:spcPts val="500"/>
+              </a:spcBef>
+              <a:buFont typeface="Arial" panose="020B0604020202020204" pitchFamily="34" charset="0"/>
+              <a:buChar char="•"/>
+              <a:defRPr sz="1800" kern="1200">
+                <a:solidFill>
+                  <a:schemeClr val="tx1"/>
+                </a:solidFill>
+                <a:latin typeface="+mn-lt"/>
+                <a:ea typeface="+mn-ea"/>
+                <a:cs typeface="+mn-cs"/>
+              </a:defRPr>
+            </a:lvl7pPr>
+            <a:lvl8pPr marL="3429000" indent="-228600" algn="l" defTabSz="914400" rtl="0" eaLnBrk="1" latinLnBrk="0" hangingPunct="1">
+              <a:lnSpc>
+                <a:spcPct val="90000"/>
+              </a:lnSpc>
+              <a:spcBef>
+                <a:spcPts val="500"/>
+              </a:spcBef>
+              <a:buFont typeface="Arial" panose="020B0604020202020204" pitchFamily="34" charset="0"/>
+              <a:buChar char="•"/>
+              <a:defRPr sz="1800" kern="1200">
+                <a:solidFill>
+                  <a:schemeClr val="tx1"/>
+                </a:solidFill>
+                <a:latin typeface="+mn-lt"/>
+                <a:ea typeface="+mn-ea"/>
+                <a:cs typeface="+mn-cs"/>
+              </a:defRPr>
+            </a:lvl8pPr>
+            <a:lvl9pPr marL="3886200" indent="-228600" algn="l" defTabSz="914400" rtl="0" eaLnBrk="1" latinLnBrk="0" hangingPunct="1">
+              <a:lnSpc>
+                <a:spcPct val="90000"/>
+              </a:lnSpc>
+              <a:spcBef>
+                <a:spcPts val="500"/>
+              </a:spcBef>
+              <a:buFont typeface="Arial" panose="020B0604020202020204" pitchFamily="34" charset="0"/>
+              <a:buChar char="•"/>
+              <a:defRPr sz="1800" kern="1200">
+                <a:solidFill>
+                  <a:schemeClr val="tx1"/>
+                </a:solidFill>
+                <a:latin typeface="+mn-lt"/>
+                <a:ea typeface="+mn-ea"/>
+                <a:cs typeface="+mn-cs"/>
+              </a:defRPr>
+            </a:lvl9pPr>
+          </a:lstStyle>
           <a:p>
             <a:r>
               <a:rPr lang="en-US" dirty="0"/>
-              <a:t>Discuss the implications of your findings.  This is where you get to have an open-ended discussion about what your findings “mean”.</a:t>
+              <a:t>The </a:t>
+            </a:r>
+            <a:r>
+              <a:rPr lang="en-US" dirty="0" err="1"/>
+              <a:t>Neocando</a:t>
+            </a:r>
+            <a:r>
+              <a:rPr lang="en-US" dirty="0"/>
+              <a:t> data indicates that Land Bank activity does not improve neighborhood indicators</a:t>
             </a:r>
           </a:p>
-        </p:txBody>
-      </p:sp>
-      <p:sp>
-        <p:nvSpPr>
-          <p:cNvPr id="3" name="Content Placeholder 2">
-            <a:extLst>
-              <a:ext uri="{FF2B5EF4-FFF2-40B4-BE49-F238E27FC236}">
-                <a16:creationId xmlns:a16="http://schemas.microsoft.com/office/drawing/2014/main" id="{0FB6959F-5841-470D-90BE-CD40593E31F2}"/>
-              </a:ext>
-            </a:extLst>
-          </p:cNvPr>
-          <p:cNvSpPr>
-            <a:spLocks noGrp="1"/>
-          </p:cNvSpPr>
-          <p:nvPr>
-            <p:ph idx="1"/>
-          </p:nvPr>
-        </p:nvSpPr>
-        <p:spPr/>
-        <p:txBody>
-          <a:bodyPr/>
-          <a:lstStyle/>
           <a:p>
             <a:r>
               <a:rPr lang="en-US" dirty="0"/>
-              <a:t>Nick will provide answers</a:t>
+              <a:t>Foreclosures don’t go down, incomes don’t go up, schools don’t get better, etc.</a:t>
+            </a:r>
+          </a:p>
+          <a:p>
+            <a:r>
+              <a:rPr lang="en-US" dirty="0"/>
+              <a:t>A land bank is reactive, it only intervenes in a neighborhood if the people there start losing their homes</a:t>
+            </a:r>
+          </a:p>
+          <a:p>
+            <a:r>
+              <a:rPr lang="en-US" dirty="0"/>
+              <a:t>The data seems to indicate that the land bank keeps things from getting worse</a:t>
             </a:r>
           </a:p>
         </p:txBody>
@@ -15664,7 +15681,7 @@
 </p:sld>
 </file>
 
-<file path=ppt/slides/slide19.xml><?xml version="1.0" encoding="utf-8"?>
+<file path=ppt/slides/slide18.xml><?xml version="1.0" encoding="utf-8"?>
 <p:sld xmlns:a="http://schemas.openxmlformats.org/drawingml/2006/main" xmlns:r="http://schemas.openxmlformats.org/officeDocument/2006/relationships" xmlns:p="http://schemas.openxmlformats.org/presentationml/2006/main">
   <p:cSld>
     <p:spTree>
@@ -15920,7 +15937,7 @@
           <a:graphicData uri="http://schemas.openxmlformats.org/presentationml/2006/ole">
             <mc:AlternateContent xmlns:mc="http://schemas.openxmlformats.org/markup-compatibility/2006">
               <mc:Choice xmlns:v="urn:schemas-microsoft-com:vml" Requires="v">
-                <p:oleObj spid="_x0000_s1030" name="Presentation" r:id="rId3" imgW="4570388" imgH="3427437" progId="PowerPoint.Show.12">
+                <p:oleObj spid="_x0000_s1031" name="Presentation" r:id="rId3" imgW="4570388" imgH="3427437" progId="PowerPoint.Show.12">
                   <p:embed/>
                 </p:oleObj>
               </mc:Choice>
@@ -16758,10 +16775,10 @@
       </p:grpSpPr>
       <p:sp>
         <p:nvSpPr>
-          <p:cNvPr id="9" name="Rectangle 8">
+          <p:cNvPr id="71" name="Rectangle 70">
             <a:extLst>
               <a:ext uri="{FF2B5EF4-FFF2-40B4-BE49-F238E27FC236}">
-                <a16:creationId xmlns:a16="http://schemas.microsoft.com/office/drawing/2014/main" id="{AB45A142-4255-493C-8284-5D566C121B10}"/>
+                <a16:creationId xmlns:a16="http://schemas.microsoft.com/office/drawing/2014/main" id="{32BC26D8-82FB-445E-AA49-62A77D7C1EE0}"/>
               </a:ext>
               <a:ext uri="{C183D7F6-B498-43B3-948B-1728B52AA6E4}">
                 <adec:decorative xmlns:adec="http://schemas.microsoft.com/office/drawing/2017/decorative" val="1"/>
@@ -16779,25 +16796,22 @@
             </p:extLst>
           </p:nvPr>
         </p:nvSpPr>
-        <p:spPr bwMode="ltGray">
+        <p:spPr>
           <a:xfrm>
-            <a:off x="336884" y="321177"/>
-            <a:ext cx="4332307" cy="6179552"/>
+            <a:off x="0" y="0"/>
+            <a:ext cx="12192000" cy="6858000"/>
           </a:xfrm>
           <a:prstGeom prst="rect">
             <a:avLst/>
           </a:prstGeom>
           <a:solidFill>
-            <a:srgbClr val="404040">
-              <a:alpha val="89804"/>
-            </a:srgbClr>
+            <a:schemeClr val="tx1">
+              <a:lumMod val="65000"/>
+              <a:lumOff val="35000"/>
+            </a:schemeClr>
           </a:solidFill>
-          <a:ln w="127000" cap="sq" cmpd="thinThick">
-            <a:solidFill>
-              <a:srgbClr val="595959">
-                <a:alpha val="80000"/>
-              </a:srgbClr>
-            </a:solidFill>
+          <a:ln>
+            <a:noFill/>
           </a:ln>
         </p:spPr>
         <p:style>
@@ -16827,181 +16841,10 @@
       </p:sp>
       <p:sp>
         <p:nvSpPr>
-          <p:cNvPr id="2" name="Title 1">
+          <p:cNvPr id="73" name="Rectangle 72">
             <a:extLst>
               <a:ext uri="{FF2B5EF4-FFF2-40B4-BE49-F238E27FC236}">
-                <a16:creationId xmlns:a16="http://schemas.microsoft.com/office/drawing/2014/main" id="{B3D68338-81DD-4BB5-A157-52E8809D5FEC}"/>
-              </a:ext>
-            </a:extLst>
-          </p:cNvPr>
-          <p:cNvSpPr>
-            <a:spLocks noGrp="1"/>
-          </p:cNvSpPr>
-          <p:nvPr>
-            <p:ph type="title"/>
-          </p:nvPr>
-        </p:nvSpPr>
-        <p:spPr>
-          <a:xfrm>
-            <a:off x="674237" y="914400"/>
-            <a:ext cx="3657600" cy="2887579"/>
-          </a:xfrm>
-        </p:spPr>
-        <p:txBody>
-          <a:bodyPr vert="horz" lIns="91440" tIns="45720" rIns="91440" bIns="45720" rtlCol="0" anchor="b">
-            <a:normAutofit/>
-          </a:bodyPr>
-          <a:lstStyle/>
-          <a:p>
-            <a:pPr algn="ctr"/>
-            <a:r>
-              <a:rPr lang="en-US" sz="4800" b="1" u="sng" kern="1200">
-                <a:solidFill>
-                  <a:srgbClr val="FFFFFF"/>
-                </a:solidFill>
-                <a:latin typeface="+mj-lt"/>
-                <a:ea typeface="+mj-ea"/>
-                <a:cs typeface="+mj-cs"/>
-              </a:rPr>
-              <a:t>Neighborhods with  Highest Current Land Bank Activity</a:t>
-            </a:r>
-          </a:p>
-        </p:txBody>
-      </p:sp>
-      <p:cxnSp>
-        <p:nvCxnSpPr>
-          <p:cNvPr id="11" name="Straight Connector 10">
-            <a:extLst>
-              <a:ext uri="{FF2B5EF4-FFF2-40B4-BE49-F238E27FC236}">
-                <a16:creationId xmlns:a16="http://schemas.microsoft.com/office/drawing/2014/main" id="{38FB9660-F42F-4313-BBC4-47C007FE484C}"/>
-              </a:ext>
-              <a:ext uri="{C183D7F6-B498-43B3-948B-1728B52AA6E4}">
-                <adec:decorative xmlns:adec="http://schemas.microsoft.com/office/drawing/2017/decorative" val="1"/>
-              </a:ext>
-            </a:extLst>
-          </p:cNvPr>
-          <p:cNvCxnSpPr>
-            <a:cxnSpLocks noGrp="1" noRot="1" noChangeAspect="1" noMove="1" noResize="1" noEditPoints="1" noAdjustHandles="1" noChangeArrowheads="1" noChangeShapeType="1"/>
-          </p:cNvCxnSpPr>
-          <p:nvPr>
-            <p:extLst>
-              <p:ext uri="{386F3935-93C4-4BCD-93E2-E3B085C9AB24}">
-                <p16:designElem xmlns:p16="http://schemas.microsoft.com/office/powerpoint/2015/main" val="1"/>
-              </p:ext>
-            </p:extLst>
-          </p:nvPr>
-        </p:nvCxnSpPr>
-        <p:spPr>
-          <a:xfrm>
-            <a:off x="1191126" y="3910267"/>
-            <a:ext cx="2586790" cy="0"/>
-          </a:xfrm>
-          <a:prstGeom prst="line">
-            <a:avLst/>
-          </a:prstGeom>
-          <a:ln w="22225">
-            <a:solidFill>
-              <a:srgbClr val="D9D9D9"/>
-            </a:solidFill>
-          </a:ln>
-        </p:spPr>
-        <p:style>
-          <a:lnRef idx="1">
-            <a:schemeClr val="accent1"/>
-          </a:lnRef>
-          <a:fillRef idx="0">
-            <a:schemeClr val="accent1"/>
-          </a:fillRef>
-          <a:effectRef idx="0">
-            <a:schemeClr val="accent1"/>
-          </a:effectRef>
-          <a:fontRef idx="minor">
-            <a:schemeClr val="tx1"/>
-          </a:fontRef>
-        </p:style>
-      </p:cxnSp>
-      <p:pic>
-        <p:nvPicPr>
-          <p:cNvPr id="4" name="Content Placeholder 3">
-            <a:extLst>
-              <a:ext uri="{FF2B5EF4-FFF2-40B4-BE49-F238E27FC236}">
-                <a16:creationId xmlns:a16="http://schemas.microsoft.com/office/drawing/2014/main" id="{51535EF5-0CEF-4B79-A511-40E41B8167DB}"/>
-              </a:ext>
-            </a:extLst>
-          </p:cNvPr>
-          <p:cNvPicPr>
-            <a:picLocks noGrp="1" noChangeAspect="1"/>
-          </p:cNvPicPr>
-          <p:nvPr>
-            <p:ph idx="1"/>
-          </p:nvPr>
-        </p:nvPicPr>
-        <p:blipFill>
-          <a:blip r:embed="rId2">
-            <a:extLst>
-              <a:ext uri="{28A0092B-C50C-407E-A947-70E740481C1C}">
-                <a14:useLocalDpi xmlns:a14="http://schemas.microsoft.com/office/drawing/2010/main" val="0"/>
-              </a:ext>
-            </a:extLst>
-          </a:blip>
-          <a:stretch>
-            <a:fillRect/>
-          </a:stretch>
-        </p:blipFill>
-        <p:spPr>
-          <a:xfrm>
-            <a:off x="5153822" y="975392"/>
-            <a:ext cx="6553545" cy="4915158"/>
-          </a:xfrm>
-          <a:prstGeom prst="rect">
-            <a:avLst/>
-          </a:prstGeom>
-        </p:spPr>
-      </p:pic>
-    </p:spTree>
-    <p:extLst>
-      <p:ext uri="{BB962C8B-B14F-4D97-AF65-F5344CB8AC3E}">
-        <p14:creationId xmlns:p14="http://schemas.microsoft.com/office/powerpoint/2010/main" val="57933073"/>
-      </p:ext>
-    </p:extLst>
-  </p:cSld>
-  <p:clrMapOvr>
-    <a:masterClrMapping/>
-  </p:clrMapOvr>
-</p:sld>
-</file>
-
-<file path=ppt/slides/slide8.xml><?xml version="1.0" encoding="utf-8"?>
-<p:sld xmlns:a="http://schemas.openxmlformats.org/drawingml/2006/main" xmlns:r="http://schemas.openxmlformats.org/officeDocument/2006/relationships" xmlns:p="http://schemas.openxmlformats.org/presentationml/2006/main">
-  <p:cSld>
-    <p:bg>
-      <p:bgPr>
-        <a:solidFill>
-          <a:schemeClr val="bg1"/>
-        </a:solidFill>
-        <a:effectLst/>
-      </p:bgPr>
-    </p:bg>
-    <p:spTree>
-      <p:nvGrpSpPr>
-        <p:cNvPr id="1" name=""/>
-        <p:cNvGrpSpPr/>
-        <p:nvPr/>
-      </p:nvGrpSpPr>
-      <p:grpSpPr>
-        <a:xfrm>
-          <a:off x="0" y="0"/>
-          <a:ext cx="0" cy="0"/>
-          <a:chOff x="0" y="0"/>
-          <a:chExt cx="0" cy="0"/>
-        </a:xfrm>
-      </p:grpSpPr>
-      <p:sp>
-        <p:nvSpPr>
-          <p:cNvPr id="9" name="Rectangle 8">
-            <a:extLst>
-              <a:ext uri="{FF2B5EF4-FFF2-40B4-BE49-F238E27FC236}">
-                <a16:creationId xmlns:a16="http://schemas.microsoft.com/office/drawing/2014/main" id="{AB45A142-4255-493C-8284-5D566C121B10}"/>
+                <a16:creationId xmlns:a16="http://schemas.microsoft.com/office/drawing/2014/main" id="{CB44330D-EA18-4254-AA95-EB49948539B8}"/>
               </a:ext>
               <a:ext uri="{C183D7F6-B498-43B3-948B-1728B52AA6E4}">
                 <adec:decorative xmlns:adec="http://schemas.microsoft.com/office/drawing/2017/decorative" val="1"/>
@@ -17019,25 +16862,19 @@
             </p:extLst>
           </p:nvPr>
         </p:nvSpPr>
-        <p:spPr bwMode="ltGray">
+        <p:spPr>
           <a:xfrm>
-            <a:off x="336884" y="321177"/>
-            <a:ext cx="4332307" cy="6179552"/>
+            <a:off x="477012" y="480060"/>
+            <a:ext cx="11237976" cy="5897880"/>
           </a:xfrm>
           <a:prstGeom prst="rect">
             <a:avLst/>
           </a:prstGeom>
           <a:solidFill>
-            <a:srgbClr val="404040">
-              <a:alpha val="89804"/>
-            </a:srgbClr>
+            <a:srgbClr val="FFFFFF"/>
           </a:solidFill>
-          <a:ln w="127000" cap="sq" cmpd="thinThick">
-            <a:solidFill>
-              <a:srgbClr val="595959">
-                <a:alpha val="80000"/>
-              </a:srgbClr>
-            </a:solidFill>
+          <a:ln>
+            <a:noFill/>
           </a:ln>
         </p:spPr>
         <p:style>
@@ -17065,130 +16902,17 @@
           </a:p>
         </p:txBody>
       </p:sp>
-      <p:sp>
-        <p:nvSpPr>
-          <p:cNvPr id="2" name="Title 1">
+      <p:pic>
+        <p:nvPicPr>
+          <p:cNvPr id="1026" name="Picture 2" descr="MedianPrice.png">
             <a:extLst>
               <a:ext uri="{FF2B5EF4-FFF2-40B4-BE49-F238E27FC236}">
-                <a16:creationId xmlns:a16="http://schemas.microsoft.com/office/drawing/2014/main" id="{DDEFC2C8-9A02-4F63-BDE2-FD95A43B8EDA}"/>
-              </a:ext>
-            </a:extLst>
-          </p:cNvPr>
-          <p:cNvSpPr>
-            <a:spLocks noGrp="1"/>
-          </p:cNvSpPr>
-          <p:nvPr>
-            <p:ph type="title"/>
-          </p:nvPr>
-        </p:nvSpPr>
-        <p:spPr>
-          <a:xfrm>
-            <a:off x="674237" y="914400"/>
-            <a:ext cx="3657600" cy="2887579"/>
-          </a:xfrm>
-        </p:spPr>
-        <p:txBody>
-          <a:bodyPr vert="horz" lIns="91440" tIns="45720" rIns="91440" bIns="45720" rtlCol="0" anchor="b">
-            <a:normAutofit/>
-          </a:bodyPr>
-          <a:lstStyle/>
-          <a:p>
-            <a:pPr algn="ctr"/>
-            <a:r>
-              <a:rPr lang="en-US" sz="3700" b="1" u="sng" kern="1200">
-                <a:solidFill>
-                  <a:srgbClr val="FFFFFF"/>
-                </a:solidFill>
-                <a:latin typeface="+mj-lt"/>
-                <a:ea typeface="+mj-ea"/>
-                <a:cs typeface="+mj-cs"/>
-              </a:rPr>
-              <a:t>Neighborhoods with Highest Current Land Bank Activity</a:t>
-            </a:r>
-            <a:br>
-              <a:rPr lang="en-US" sz="3700" b="1" u="sng" kern="1200">
-                <a:solidFill>
-                  <a:srgbClr val="FFFFFF"/>
-                </a:solidFill>
-                <a:latin typeface="+mj-lt"/>
-                <a:ea typeface="+mj-ea"/>
-                <a:cs typeface="+mj-cs"/>
-              </a:rPr>
-            </a:br>
-            <a:endParaRPr lang="en-US" sz="3700" kern="1200">
-              <a:solidFill>
-                <a:srgbClr val="FFFFFF"/>
-              </a:solidFill>
-              <a:latin typeface="+mj-lt"/>
-              <a:ea typeface="+mj-ea"/>
-              <a:cs typeface="+mj-cs"/>
-            </a:endParaRPr>
-          </a:p>
-        </p:txBody>
-      </p:sp>
-      <p:cxnSp>
-        <p:nvCxnSpPr>
-          <p:cNvPr id="11" name="Straight Connector 10">
-            <a:extLst>
-              <a:ext uri="{FF2B5EF4-FFF2-40B4-BE49-F238E27FC236}">
-                <a16:creationId xmlns:a16="http://schemas.microsoft.com/office/drawing/2014/main" id="{38FB9660-F42F-4313-BBC4-47C007FE484C}"/>
-              </a:ext>
-              <a:ext uri="{C183D7F6-B498-43B3-948B-1728B52AA6E4}">
-                <adec:decorative xmlns:adec="http://schemas.microsoft.com/office/drawing/2017/decorative" val="1"/>
-              </a:ext>
-            </a:extLst>
-          </p:cNvPr>
-          <p:cNvCxnSpPr>
-            <a:cxnSpLocks noGrp="1" noRot="1" noChangeAspect="1" noMove="1" noResize="1" noEditPoints="1" noAdjustHandles="1" noChangeArrowheads="1" noChangeShapeType="1"/>
-          </p:cNvCxnSpPr>
-          <p:nvPr>
-            <p:extLst>
-              <p:ext uri="{386F3935-93C4-4BCD-93E2-E3B085C9AB24}">
-                <p16:designElem xmlns:p16="http://schemas.microsoft.com/office/powerpoint/2015/main" val="1"/>
-              </p:ext>
-            </p:extLst>
-          </p:nvPr>
-        </p:nvCxnSpPr>
-        <p:spPr>
-          <a:xfrm>
-            <a:off x="1191126" y="3910267"/>
-            <a:ext cx="2586790" cy="0"/>
-          </a:xfrm>
-          <a:prstGeom prst="line">
-            <a:avLst/>
-          </a:prstGeom>
-          <a:ln w="22225">
-            <a:solidFill>
-              <a:srgbClr val="D9D9D9"/>
-            </a:solidFill>
-          </a:ln>
-        </p:spPr>
-        <p:style>
-          <a:lnRef idx="1">
-            <a:schemeClr val="accent1"/>
-          </a:lnRef>
-          <a:fillRef idx="0">
-            <a:schemeClr val="accent1"/>
-          </a:fillRef>
-          <a:effectRef idx="0">
-            <a:schemeClr val="accent1"/>
-          </a:effectRef>
-          <a:fontRef idx="minor">
-            <a:schemeClr val="tx1"/>
-          </a:fontRef>
-        </p:style>
-      </p:cxnSp>
-      <p:pic>
-        <p:nvPicPr>
-          <p:cNvPr id="4" name="Content Placeholder 3">
-            <a:extLst>
-              <a:ext uri="{FF2B5EF4-FFF2-40B4-BE49-F238E27FC236}">
-                <a16:creationId xmlns:a16="http://schemas.microsoft.com/office/drawing/2014/main" id="{40A390F0-A136-432B-BA1B-518964236A6A}"/>
+                <a16:creationId xmlns:a16="http://schemas.microsoft.com/office/drawing/2014/main" id="{0850FC04-240A-4F81-9A0E-8CE616421D6A}"/>
               </a:ext>
             </a:extLst>
           </p:cNvPr>
           <p:cNvPicPr>
-            <a:picLocks noGrp="1" noChangeAspect="1"/>
+            <a:picLocks noGrp="1" noChangeAspect="1" noChangeArrowheads="1"/>
           </p:cNvPicPr>
           <p:nvPr>
             <p:ph idx="1"/>
@@ -17206,20 +16930,30 @@
             <a:fillRect/>
           </a:stretch>
         </p:blipFill>
-        <p:spPr>
+        <p:spPr bwMode="auto">
           <a:xfrm>
-            <a:off x="5153822" y="975392"/>
-            <a:ext cx="6553545" cy="4915158"/>
+            <a:off x="1639148" y="643467"/>
+            <a:ext cx="8913703" cy="5571066"/>
           </a:xfrm>
           <a:prstGeom prst="rect">
             <a:avLst/>
           </a:prstGeom>
+          <a:noFill/>
+          <a:extLst>
+            <a:ext uri="{909E8E84-426E-40DD-AFC4-6F175D3DCCD1}">
+              <a14:hiddenFill xmlns:a14="http://schemas.microsoft.com/office/drawing/2010/main">
+                <a:solidFill>
+                  <a:srgbClr val="FFFFFF"/>
+                </a:solidFill>
+              </a14:hiddenFill>
+            </a:ext>
+          </a:extLst>
         </p:spPr>
       </p:pic>
     </p:spTree>
     <p:extLst>
       <p:ext uri="{BB962C8B-B14F-4D97-AF65-F5344CB8AC3E}">
-        <p14:creationId xmlns:p14="http://schemas.microsoft.com/office/powerpoint/2010/main" val="2266127078"/>
+        <p14:creationId xmlns:p14="http://schemas.microsoft.com/office/powerpoint/2010/main" val="3896081587"/>
       </p:ext>
     </p:extLst>
   </p:cSld>
@@ -17229,17 +16963,9 @@
 </p:sld>
 </file>
 
-<file path=ppt/slides/slide9.xml><?xml version="1.0" encoding="utf-8"?>
+<file path=ppt/slides/slide8.xml><?xml version="1.0" encoding="utf-8"?>
 <p:sld xmlns:a="http://schemas.openxmlformats.org/drawingml/2006/main" xmlns:r="http://schemas.openxmlformats.org/officeDocument/2006/relationships" xmlns:p="http://schemas.openxmlformats.org/presentationml/2006/main">
   <p:cSld>
-    <p:bg>
-      <p:bgPr>
-        <a:solidFill>
-          <a:schemeClr val="bg1"/>
-        </a:solidFill>
-        <a:effectLst/>
-      </p:bgPr>
-    </p:bg>
     <p:spTree>
       <p:nvGrpSpPr>
         <p:cNvPr id="1" name=""/>
@@ -17256,79 +16982,10 @@
       </p:grpSpPr>
       <p:sp>
         <p:nvSpPr>
-          <p:cNvPr id="9" name="Rectangle 8">
-            <a:extLst>
-              <a:ext uri="{FF2B5EF4-FFF2-40B4-BE49-F238E27FC236}">
-                <a16:creationId xmlns:a16="http://schemas.microsoft.com/office/drawing/2014/main" id="{AB45A142-4255-493C-8284-5D566C121B10}"/>
-              </a:ext>
-              <a:ext uri="{C183D7F6-B498-43B3-948B-1728B52AA6E4}">
-                <adec:decorative xmlns:adec="http://schemas.microsoft.com/office/drawing/2017/decorative" val="1"/>
-              </a:ext>
-            </a:extLst>
-          </p:cNvPr>
-          <p:cNvSpPr>
-            <a:spLocks noGrp="1" noRot="1" noChangeAspect="1" noMove="1" noResize="1" noEditPoints="1" noAdjustHandles="1" noChangeArrowheads="1" noChangeShapeType="1" noTextEdit="1"/>
-          </p:cNvSpPr>
-          <p:nvPr>
-            <p:extLst>
-              <p:ext uri="{386F3935-93C4-4BCD-93E2-E3B085C9AB24}">
-                <p16:designElem xmlns:p16="http://schemas.microsoft.com/office/powerpoint/2015/main" val="1"/>
-              </p:ext>
-            </p:extLst>
-          </p:nvPr>
-        </p:nvSpPr>
-        <p:spPr bwMode="ltGray">
-          <a:xfrm>
-            <a:off x="336884" y="321177"/>
-            <a:ext cx="4332307" cy="6179552"/>
-          </a:xfrm>
-          <a:prstGeom prst="rect">
-            <a:avLst/>
-          </a:prstGeom>
-          <a:solidFill>
-            <a:srgbClr val="404040">
-              <a:alpha val="89804"/>
-            </a:srgbClr>
-          </a:solidFill>
-          <a:ln w="127000" cap="sq" cmpd="thinThick">
-            <a:solidFill>
-              <a:srgbClr val="595959">
-                <a:alpha val="80000"/>
-              </a:srgbClr>
-            </a:solidFill>
-          </a:ln>
-        </p:spPr>
-        <p:style>
-          <a:lnRef idx="2">
-            <a:schemeClr val="accent1">
-              <a:shade val="50000"/>
-            </a:schemeClr>
-          </a:lnRef>
-          <a:fillRef idx="1">
-            <a:schemeClr val="accent1"/>
-          </a:fillRef>
-          <a:effectRef idx="0">
-            <a:schemeClr val="accent1"/>
-          </a:effectRef>
-          <a:fontRef idx="minor">
-            <a:schemeClr val="lt1"/>
-          </a:fontRef>
-        </p:style>
-        <p:txBody>
-          <a:bodyPr rtlCol="0" anchor="ctr"/>
-          <a:lstStyle/>
-          <a:p>
-            <a:pPr algn="ctr"/>
-            <a:endParaRPr lang="en-US"/>
-          </a:p>
-        </p:txBody>
-      </p:sp>
-      <p:sp>
-        <p:nvSpPr>
           <p:cNvPr id="2" name="Title 1">
             <a:extLst>
               <a:ext uri="{FF2B5EF4-FFF2-40B4-BE49-F238E27FC236}">
-                <a16:creationId xmlns:a16="http://schemas.microsoft.com/office/drawing/2014/main" id="{2019EB8F-B47F-4FE7-B2E1-250B16DC7310}"/>
+                <a16:creationId xmlns:a16="http://schemas.microsoft.com/office/drawing/2014/main" id="{DDEFC2C8-9A02-4F63-BDE2-FD95A43B8EDA}"/>
               </a:ext>
             </a:extLst>
           </p:cNvPr>
@@ -17339,99 +16996,31 @@
             <p:ph type="title"/>
           </p:nvPr>
         </p:nvSpPr>
-        <p:spPr>
-          <a:xfrm>
-            <a:off x="674237" y="914400"/>
-            <a:ext cx="3657600" cy="2887579"/>
-          </a:xfrm>
-        </p:spPr>
+        <p:spPr/>
         <p:txBody>
-          <a:bodyPr vert="horz" lIns="91440" tIns="45720" rIns="91440" bIns="45720" rtlCol="0" anchor="b">
+          <a:bodyPr>
             <a:normAutofit/>
           </a:bodyPr>
           <a:lstStyle/>
           <a:p>
-            <a:pPr algn="ctr"/>
             <a:r>
-              <a:rPr lang="en-US" b="1" u="sng" kern="1200">
-                <a:solidFill>
-                  <a:srgbClr val="FFFFFF"/>
-                </a:solidFill>
-                <a:latin typeface="+mj-lt"/>
-                <a:ea typeface="+mj-ea"/>
-                <a:cs typeface="+mj-cs"/>
-              </a:rPr>
-              <a:t>Neighborhoods with Lowest Current Land Bank Activity</a:t>
+              <a:rPr lang="en-US" b="1" u="sng" dirty="0"/>
+              <a:t>Example Neighborhood: High </a:t>
             </a:r>
-            <a:endParaRPr lang="en-US" kern="1200">
-              <a:solidFill>
-                <a:srgbClr val="FFFFFF"/>
-              </a:solidFill>
-              <a:latin typeface="+mj-lt"/>
-              <a:ea typeface="+mj-ea"/>
-              <a:cs typeface="+mj-cs"/>
-            </a:endParaRPr>
+            <a:r>
+              <a:rPr lang="en-US" b="1" u="sng" dirty="0" err="1"/>
+              <a:t>Activty</a:t>
+            </a:r>
+            <a:endParaRPr lang="en-US" dirty="0"/>
           </a:p>
         </p:txBody>
       </p:sp>
-      <p:cxnSp>
-        <p:nvCxnSpPr>
-          <p:cNvPr id="11" name="Straight Connector 10">
-            <a:extLst>
-              <a:ext uri="{FF2B5EF4-FFF2-40B4-BE49-F238E27FC236}">
-                <a16:creationId xmlns:a16="http://schemas.microsoft.com/office/drawing/2014/main" id="{38FB9660-F42F-4313-BBC4-47C007FE484C}"/>
-              </a:ext>
-              <a:ext uri="{C183D7F6-B498-43B3-948B-1728B52AA6E4}">
-                <adec:decorative xmlns:adec="http://schemas.microsoft.com/office/drawing/2017/decorative" val="1"/>
-              </a:ext>
-            </a:extLst>
-          </p:cNvPr>
-          <p:cNvCxnSpPr>
-            <a:cxnSpLocks noGrp="1" noRot="1" noChangeAspect="1" noMove="1" noResize="1" noEditPoints="1" noAdjustHandles="1" noChangeArrowheads="1" noChangeShapeType="1"/>
-          </p:cNvCxnSpPr>
-          <p:nvPr>
-            <p:extLst>
-              <p:ext uri="{386F3935-93C4-4BCD-93E2-E3B085C9AB24}">
-                <p16:designElem xmlns:p16="http://schemas.microsoft.com/office/powerpoint/2015/main" val="1"/>
-              </p:ext>
-            </p:extLst>
-          </p:nvPr>
-        </p:nvCxnSpPr>
-        <p:spPr>
-          <a:xfrm>
-            <a:off x="1191126" y="3910267"/>
-            <a:ext cx="2586790" cy="0"/>
-          </a:xfrm>
-          <a:prstGeom prst="line">
-            <a:avLst/>
-          </a:prstGeom>
-          <a:ln w="22225">
-            <a:solidFill>
-              <a:srgbClr val="D9D9D9"/>
-            </a:solidFill>
-          </a:ln>
-        </p:spPr>
-        <p:style>
-          <a:lnRef idx="1">
-            <a:schemeClr val="accent1"/>
-          </a:lnRef>
-          <a:fillRef idx="0">
-            <a:schemeClr val="accent1"/>
-          </a:fillRef>
-          <a:effectRef idx="0">
-            <a:schemeClr val="accent1"/>
-          </a:effectRef>
-          <a:fontRef idx="minor">
-            <a:schemeClr val="tx1"/>
-          </a:fontRef>
-        </p:style>
-      </p:cxnSp>
       <p:pic>
         <p:nvPicPr>
           <p:cNvPr id="4" name="Content Placeholder 3">
             <a:extLst>
               <a:ext uri="{FF2B5EF4-FFF2-40B4-BE49-F238E27FC236}">
-                <a16:creationId xmlns:a16="http://schemas.microsoft.com/office/drawing/2014/main" id="{30A39234-3BC7-413A-8226-8502A0F916E6}"/>
+                <a16:creationId xmlns:a16="http://schemas.microsoft.com/office/drawing/2014/main" id="{40A390F0-A136-432B-BA1B-518964236A6A}"/>
               </a:ext>
             </a:extLst>
           </p:cNvPr>
@@ -17456,8 +17045,8 @@
         </p:blipFill>
         <p:spPr>
           <a:xfrm>
-            <a:off x="5490196" y="492573"/>
-            <a:ext cx="5880796" cy="5880796"/>
+            <a:off x="3195108" y="1825625"/>
+            <a:ext cx="5801784" cy="4351338"/>
           </a:xfrm>
           <a:prstGeom prst="rect">
             <a:avLst/>
@@ -17467,7 +17056,116 @@
     </p:spTree>
     <p:extLst>
       <p:ext uri="{BB962C8B-B14F-4D97-AF65-F5344CB8AC3E}">
-        <p14:creationId xmlns:p14="http://schemas.microsoft.com/office/powerpoint/2010/main" val="1118186547"/>
+        <p14:creationId xmlns:p14="http://schemas.microsoft.com/office/powerpoint/2010/main" val="3610385527"/>
+      </p:ext>
+    </p:extLst>
+  </p:cSld>
+  <p:clrMapOvr>
+    <a:masterClrMapping/>
+  </p:clrMapOvr>
+</p:sld>
+</file>
+
+<file path=ppt/slides/slide9.xml><?xml version="1.0" encoding="utf-8"?>
+<p:sld xmlns:a="http://schemas.openxmlformats.org/drawingml/2006/main" xmlns:r="http://schemas.openxmlformats.org/officeDocument/2006/relationships" xmlns:p="http://schemas.openxmlformats.org/presentationml/2006/main">
+  <p:cSld>
+    <p:spTree>
+      <p:nvGrpSpPr>
+        <p:cNvPr id="1" name=""/>
+        <p:cNvGrpSpPr/>
+        <p:nvPr/>
+      </p:nvGrpSpPr>
+      <p:grpSpPr>
+        <a:xfrm>
+          <a:off x="0" y="0"/>
+          <a:ext cx="0" cy="0"/>
+          <a:chOff x="0" y="0"/>
+          <a:chExt cx="0" cy="0"/>
+        </a:xfrm>
+      </p:grpSpPr>
+      <p:pic>
+        <p:nvPicPr>
+          <p:cNvPr id="5" name="Picture 4">
+            <a:extLst>
+              <a:ext uri="{FF2B5EF4-FFF2-40B4-BE49-F238E27FC236}">
+                <a16:creationId xmlns:a16="http://schemas.microsoft.com/office/drawing/2014/main" id="{F41F60DF-2841-0B40-B378-686F3AD6A700}"/>
+              </a:ext>
+            </a:extLst>
+          </p:cNvPr>
+          <p:cNvPicPr>
+            <a:picLocks noChangeAspect="1"/>
+          </p:cNvPicPr>
+          <p:nvPr/>
+        </p:nvPicPr>
+        <p:blipFill>
+          <a:blip r:embed="rId2">
+            <a:extLst>
+              <a:ext uri="{28A0092B-C50C-407E-A947-70E740481C1C}">
+                <a14:useLocalDpi xmlns:a14="http://schemas.microsoft.com/office/drawing/2010/main" val="0"/>
+              </a:ext>
+            </a:extLst>
+          </a:blip>
+          <a:stretch>
+            <a:fillRect/>
+          </a:stretch>
+        </p:blipFill>
+        <p:spPr>
+          <a:xfrm>
+            <a:off x="2286000" y="1143000"/>
+            <a:ext cx="7620000" cy="5715000"/>
+          </a:xfrm>
+          <a:prstGeom prst="rect">
+            <a:avLst/>
+          </a:prstGeom>
+        </p:spPr>
+      </p:pic>
+      <p:sp>
+        <p:nvSpPr>
+          <p:cNvPr id="6" name="Title 1">
+            <a:extLst>
+              <a:ext uri="{FF2B5EF4-FFF2-40B4-BE49-F238E27FC236}">
+                <a16:creationId xmlns:a16="http://schemas.microsoft.com/office/drawing/2014/main" id="{37FCF22A-D9C3-BE40-AFED-1B835E7861E2}"/>
+              </a:ext>
+            </a:extLst>
+          </p:cNvPr>
+          <p:cNvSpPr>
+            <a:spLocks noGrp="1"/>
+          </p:cNvSpPr>
+          <p:nvPr>
+            <p:ph type="title"/>
+          </p:nvPr>
+        </p:nvSpPr>
+        <p:spPr>
+          <a:xfrm>
+            <a:off x="838200" y="365125"/>
+            <a:ext cx="10515600" cy="1325563"/>
+          </a:xfrm>
+        </p:spPr>
+        <p:txBody>
+          <a:bodyPr>
+            <a:normAutofit/>
+          </a:bodyPr>
+          <a:lstStyle/>
+          <a:p>
+            <a:r>
+              <a:rPr lang="en-US" b="1" u="sng" dirty="0"/>
+              <a:t>Example Neighborhood: Low </a:t>
+            </a:r>
+            <a:r>
+              <a:rPr lang="en-US" b="1" u="sng" dirty="0" err="1"/>
+              <a:t>Activty</a:t>
+            </a:r>
+            <a:br>
+              <a:rPr lang="en-US" b="1" u="sng" dirty="0"/>
+            </a:br>
+            <a:endParaRPr lang="en-US" dirty="0"/>
+          </a:p>
+        </p:txBody>
+      </p:sp>
+    </p:spTree>
+    <p:extLst>
+      <p:ext uri="{BB962C8B-B14F-4D97-AF65-F5344CB8AC3E}">
+        <p14:creationId xmlns:p14="http://schemas.microsoft.com/office/powerpoint/2010/main" val="3810874060"/>
       </p:ext>
     </p:extLst>
   </p:cSld>
